--- a/Hotel_Price_Cancellation_Project/Reports/Soyoung_hotel_presentation.pptx
+++ b/Hotel_Price_Cancellation_Project/Reports/Soyoung_hotel_presentation.pptx
@@ -5,18 +5,20 @@
     <p:sldMasterId id="2147483964" r:id="rId1"/>
   </p:sldMasterIdLst>
   <p:notesMasterIdLst>
-    <p:notesMasterId r:id="rId11"/>
+    <p:notesMasterId r:id="rId13"/>
   </p:notesMasterIdLst>
   <p:sldIdLst>
     <p:sldId id="256" r:id="rId2"/>
     <p:sldId id="265" r:id="rId3"/>
-    <p:sldId id="278" r:id="rId4"/>
-    <p:sldId id="273" r:id="rId5"/>
-    <p:sldId id="279" r:id="rId6"/>
-    <p:sldId id="280" r:id="rId7"/>
-    <p:sldId id="281" r:id="rId8"/>
-    <p:sldId id="282" r:id="rId9"/>
-    <p:sldId id="271" r:id="rId10"/>
+    <p:sldId id="283" r:id="rId4"/>
+    <p:sldId id="278" r:id="rId5"/>
+    <p:sldId id="273" r:id="rId6"/>
+    <p:sldId id="279" r:id="rId7"/>
+    <p:sldId id="280" r:id="rId8"/>
+    <p:sldId id="281" r:id="rId9"/>
+    <p:sldId id="284" r:id="rId10"/>
+    <p:sldId id="282" r:id="rId11"/>
+    <p:sldId id="271" r:id="rId12"/>
   </p:sldIdLst>
   <p:sldSz cx="12192000" cy="6858000"/>
   <p:notesSz cx="6858000" cy="9144000"/>
@@ -1017,7 +1019,7 @@
   <dgm:whole/>
   <dgm:extLst>
     <a:ext uri="http://schemas.microsoft.com/office/drawing/2008/diagram">
-      <dsp:dataModelExt xmlns:dsp="http://schemas.microsoft.com/office/drawing/2008/diagram" relId="rId6" minVer="http://schemas.openxmlformats.org/drawingml/2006/diagram"/>
+      <dsp:dataModelExt xmlns:dsp="http://schemas.microsoft.com/office/drawing/2008/diagram" relId="rId7" minVer="http://schemas.openxmlformats.org/drawingml/2006/diagram"/>
     </a:ext>
   </dgm:extLst>
 </dgm:dataModel>
@@ -2618,7 +2620,7 @@
           <a:p>
             <a:fld id="{37DEB4B9-E2CD-F040-9919-A1C356934252}" type="datetimeFigureOut">
               <a:rPr lang="en-US" smtClean="0"/>
-              <a:t>6/17/21</a:t>
+              <a:t>6/25/21</a:t>
             </a:fld>
             <a:endParaRPr lang="en-US"/>
           </a:p>
@@ -3127,7 +3129,7 @@
     </p:spTree>
     <p:extLst>
       <p:ext uri="{BB962C8B-B14F-4D97-AF65-F5344CB8AC3E}">
-        <p14:creationId xmlns:p14="http://schemas.microsoft.com/office/powerpoint/2010/main" val="1488496085"/>
+        <p14:creationId xmlns:p14="http://schemas.microsoft.com/office/powerpoint/2010/main" val="1601281468"/>
       </p:ext>
     </p:extLst>
   </p:cSld>
@@ -3202,7 +3204,7 @@
           <a:p>
             <a:fld id="{62736711-5358-F045-A2B8-9B204B7C2DE0}" type="slidenum">
               <a:rPr lang="en-US" smtClean="0"/>
-              <a:t>6</a:t>
+              <a:t>4</a:t>
             </a:fld>
             <a:endParaRPr lang="en-US"/>
           </a:p>
@@ -3211,7 +3213,7 @@
     </p:spTree>
     <p:extLst>
       <p:ext uri="{BB962C8B-B14F-4D97-AF65-F5344CB8AC3E}">
-        <p14:creationId xmlns:p14="http://schemas.microsoft.com/office/powerpoint/2010/main" val="3703153680"/>
+        <p14:creationId xmlns:p14="http://schemas.microsoft.com/office/powerpoint/2010/main" val="1488496085"/>
       </p:ext>
     </p:extLst>
   </p:cSld>
@@ -3265,7 +3267,175 @@
           <a:bodyPr/>
           <a:lstStyle/>
           <a:p>
+            <a:endParaRPr lang="en-US" dirty="0"/>
+          </a:p>
+        </p:txBody>
+      </p:sp>
+      <p:sp>
+        <p:nvSpPr>
+          <p:cNvPr id="4" name="Slide Number Placeholder 3"/>
+          <p:cNvSpPr>
+            <a:spLocks noGrp="1"/>
+          </p:cNvSpPr>
+          <p:nvPr>
+            <p:ph type="sldNum" sz="quarter" idx="5"/>
+          </p:nvPr>
+        </p:nvSpPr>
+        <p:spPr/>
+        <p:txBody>
+          <a:bodyPr/>
+          <a:lstStyle/>
+          <a:p>
+            <a:fld id="{62736711-5358-F045-A2B8-9B204B7C2DE0}" type="slidenum">
+              <a:rPr lang="en-US" smtClean="0"/>
+              <a:t>5</a:t>
+            </a:fld>
             <a:endParaRPr lang="en-US"/>
+          </a:p>
+        </p:txBody>
+      </p:sp>
+    </p:spTree>
+    <p:extLst>
+      <p:ext uri="{BB962C8B-B14F-4D97-AF65-F5344CB8AC3E}">
+        <p14:creationId xmlns:p14="http://schemas.microsoft.com/office/powerpoint/2010/main" val="3190865006"/>
+      </p:ext>
+    </p:extLst>
+  </p:cSld>
+  <p:clrMapOvr>
+    <a:masterClrMapping/>
+  </p:clrMapOvr>
+</p:notes>
+</file>
+
+<file path=ppt/notesSlides/notesSlide6.xml><?xml version="1.0" encoding="utf-8"?>
+<p:notes xmlns:a="http://schemas.openxmlformats.org/drawingml/2006/main" xmlns:r="http://schemas.openxmlformats.org/officeDocument/2006/relationships" xmlns:p="http://schemas.openxmlformats.org/presentationml/2006/main">
+  <p:cSld>
+    <p:spTree>
+      <p:nvGrpSpPr>
+        <p:cNvPr id="1" name=""/>
+        <p:cNvGrpSpPr/>
+        <p:nvPr/>
+      </p:nvGrpSpPr>
+      <p:grpSpPr>
+        <a:xfrm>
+          <a:off x="0" y="0"/>
+          <a:ext cx="0" cy="0"/>
+          <a:chOff x="0" y="0"/>
+          <a:chExt cx="0" cy="0"/>
+        </a:xfrm>
+      </p:grpSpPr>
+      <p:sp>
+        <p:nvSpPr>
+          <p:cNvPr id="2" name="Slide Image Placeholder 1"/>
+          <p:cNvSpPr>
+            <a:spLocks noGrp="1" noRot="1" noChangeAspect="1"/>
+          </p:cNvSpPr>
+          <p:nvPr>
+            <p:ph type="sldImg"/>
+          </p:nvPr>
+        </p:nvSpPr>
+        <p:spPr/>
+      </p:sp>
+      <p:sp>
+        <p:nvSpPr>
+          <p:cNvPr id="3" name="Notes Placeholder 2"/>
+          <p:cNvSpPr>
+            <a:spLocks noGrp="1"/>
+          </p:cNvSpPr>
+          <p:nvPr>
+            <p:ph type="body" idx="1"/>
+          </p:nvPr>
+        </p:nvSpPr>
+        <p:spPr/>
+        <p:txBody>
+          <a:bodyPr/>
+          <a:lstStyle/>
+          <a:p>
+            <a:endParaRPr lang="en-US" dirty="0"/>
+          </a:p>
+        </p:txBody>
+      </p:sp>
+      <p:sp>
+        <p:nvSpPr>
+          <p:cNvPr id="4" name="Slide Number Placeholder 3"/>
+          <p:cNvSpPr>
+            <a:spLocks noGrp="1"/>
+          </p:cNvSpPr>
+          <p:nvPr>
+            <p:ph type="sldNum" sz="quarter" idx="5"/>
+          </p:nvPr>
+        </p:nvSpPr>
+        <p:spPr/>
+        <p:txBody>
+          <a:bodyPr/>
+          <a:lstStyle/>
+          <a:p>
+            <a:fld id="{62736711-5358-F045-A2B8-9B204B7C2DE0}" type="slidenum">
+              <a:rPr lang="en-US" smtClean="0"/>
+              <a:t>7</a:t>
+            </a:fld>
+            <a:endParaRPr lang="en-US"/>
+          </a:p>
+        </p:txBody>
+      </p:sp>
+    </p:spTree>
+    <p:extLst>
+      <p:ext uri="{BB962C8B-B14F-4D97-AF65-F5344CB8AC3E}">
+        <p14:creationId xmlns:p14="http://schemas.microsoft.com/office/powerpoint/2010/main" val="3703153680"/>
+      </p:ext>
+    </p:extLst>
+  </p:cSld>
+  <p:clrMapOvr>
+    <a:masterClrMapping/>
+  </p:clrMapOvr>
+</p:notes>
+</file>
+
+<file path=ppt/notesSlides/notesSlide7.xml><?xml version="1.0" encoding="utf-8"?>
+<p:notes xmlns:a="http://schemas.openxmlformats.org/drawingml/2006/main" xmlns:r="http://schemas.openxmlformats.org/officeDocument/2006/relationships" xmlns:p="http://schemas.openxmlformats.org/presentationml/2006/main">
+  <p:cSld>
+    <p:spTree>
+      <p:nvGrpSpPr>
+        <p:cNvPr id="1" name=""/>
+        <p:cNvGrpSpPr/>
+        <p:nvPr/>
+      </p:nvGrpSpPr>
+      <p:grpSpPr>
+        <a:xfrm>
+          <a:off x="0" y="0"/>
+          <a:ext cx="0" cy="0"/>
+          <a:chOff x="0" y="0"/>
+          <a:chExt cx="0" cy="0"/>
+        </a:xfrm>
+      </p:grpSpPr>
+      <p:sp>
+        <p:nvSpPr>
+          <p:cNvPr id="2" name="Slide Image Placeholder 1"/>
+          <p:cNvSpPr>
+            <a:spLocks noGrp="1" noRot="1" noChangeAspect="1"/>
+          </p:cNvSpPr>
+          <p:nvPr>
+            <p:ph type="sldImg"/>
+          </p:nvPr>
+        </p:nvSpPr>
+        <p:spPr/>
+      </p:sp>
+      <p:sp>
+        <p:nvSpPr>
+          <p:cNvPr id="3" name="Notes Placeholder 2"/>
+          <p:cNvSpPr>
+            <a:spLocks noGrp="1"/>
+          </p:cNvSpPr>
+          <p:nvPr>
+            <p:ph type="body" idx="1"/>
+          </p:nvPr>
+        </p:nvSpPr>
+        <p:spPr/>
+        <p:txBody>
+          <a:bodyPr/>
+          <a:lstStyle/>
+          <a:p>
+            <a:endParaRPr lang="en-US" dirty="0"/>
           </a:p>
         </p:txBody>
       </p:sp>
@@ -3287,6 +3457,90 @@
             <a:fld id="{62736711-5358-F045-A2B8-9B204B7C2DE0}" type="slidenum">
               <a:rPr lang="en-US" smtClean="0"/>
               <a:t>9</a:t>
+            </a:fld>
+            <a:endParaRPr lang="en-US"/>
+          </a:p>
+        </p:txBody>
+      </p:sp>
+    </p:spTree>
+    <p:extLst>
+      <p:ext uri="{BB962C8B-B14F-4D97-AF65-F5344CB8AC3E}">
+        <p14:creationId xmlns:p14="http://schemas.microsoft.com/office/powerpoint/2010/main" val="529369869"/>
+      </p:ext>
+    </p:extLst>
+  </p:cSld>
+  <p:clrMapOvr>
+    <a:masterClrMapping/>
+  </p:clrMapOvr>
+</p:notes>
+</file>
+
+<file path=ppt/notesSlides/notesSlide8.xml><?xml version="1.0" encoding="utf-8"?>
+<p:notes xmlns:a="http://schemas.openxmlformats.org/drawingml/2006/main" xmlns:r="http://schemas.openxmlformats.org/officeDocument/2006/relationships" xmlns:p="http://schemas.openxmlformats.org/presentationml/2006/main">
+  <p:cSld>
+    <p:spTree>
+      <p:nvGrpSpPr>
+        <p:cNvPr id="1" name=""/>
+        <p:cNvGrpSpPr/>
+        <p:nvPr/>
+      </p:nvGrpSpPr>
+      <p:grpSpPr>
+        <a:xfrm>
+          <a:off x="0" y="0"/>
+          <a:ext cx="0" cy="0"/>
+          <a:chOff x="0" y="0"/>
+          <a:chExt cx="0" cy="0"/>
+        </a:xfrm>
+      </p:grpSpPr>
+      <p:sp>
+        <p:nvSpPr>
+          <p:cNvPr id="2" name="Slide Image Placeholder 1"/>
+          <p:cNvSpPr>
+            <a:spLocks noGrp="1" noRot="1" noChangeAspect="1"/>
+          </p:cNvSpPr>
+          <p:nvPr>
+            <p:ph type="sldImg"/>
+          </p:nvPr>
+        </p:nvSpPr>
+        <p:spPr/>
+      </p:sp>
+      <p:sp>
+        <p:nvSpPr>
+          <p:cNvPr id="3" name="Notes Placeholder 2"/>
+          <p:cNvSpPr>
+            <a:spLocks noGrp="1"/>
+          </p:cNvSpPr>
+          <p:nvPr>
+            <p:ph type="body" idx="1"/>
+          </p:nvPr>
+        </p:nvSpPr>
+        <p:spPr/>
+        <p:txBody>
+          <a:bodyPr/>
+          <a:lstStyle/>
+          <a:p>
+            <a:endParaRPr lang="en-US"/>
+          </a:p>
+        </p:txBody>
+      </p:sp>
+      <p:sp>
+        <p:nvSpPr>
+          <p:cNvPr id="4" name="Slide Number Placeholder 3"/>
+          <p:cNvSpPr>
+            <a:spLocks noGrp="1"/>
+          </p:cNvSpPr>
+          <p:nvPr>
+            <p:ph type="sldNum" sz="quarter" idx="5"/>
+          </p:nvPr>
+        </p:nvSpPr>
+        <p:spPr/>
+        <p:txBody>
+          <a:bodyPr/>
+          <a:lstStyle/>
+          <a:p>
+            <a:fld id="{62736711-5358-F045-A2B8-9B204B7C2DE0}" type="slidenum">
+              <a:rPr lang="en-US" smtClean="0"/>
+              <a:t>11</a:t>
             </a:fld>
             <a:endParaRPr lang="en-US"/>
           </a:p>
@@ -3460,7 +3714,7 @@
           <a:p>
             <a:fld id="{17FDB60E-6FB8-3B4D-AC67-9B9738C90088}" type="datetimeFigureOut">
               <a:rPr lang="en-US" smtClean="0"/>
-              <a:t>6/17/21</a:t>
+              <a:t>6/25/21</a:t>
             </a:fld>
             <a:endParaRPr lang="en-US"/>
           </a:p>
@@ -3630,7 +3884,7 @@
           <a:p>
             <a:fld id="{17FDB60E-6FB8-3B4D-AC67-9B9738C90088}" type="datetimeFigureOut">
               <a:rPr lang="en-US" smtClean="0"/>
-              <a:t>6/17/21</a:t>
+              <a:t>6/25/21</a:t>
             </a:fld>
             <a:endParaRPr lang="en-US"/>
           </a:p>
@@ -3810,7 +4064,7 @@
           <a:p>
             <a:fld id="{17FDB60E-6FB8-3B4D-AC67-9B9738C90088}" type="datetimeFigureOut">
               <a:rPr lang="en-US" smtClean="0"/>
-              <a:t>6/17/21</a:t>
+              <a:t>6/25/21</a:t>
             </a:fld>
             <a:endParaRPr lang="en-US"/>
           </a:p>
@@ -3980,7 +4234,7 @@
           <a:p>
             <a:fld id="{17FDB60E-6FB8-3B4D-AC67-9B9738C90088}" type="datetimeFigureOut">
               <a:rPr lang="en-US" smtClean="0"/>
-              <a:t>6/17/21</a:t>
+              <a:t>6/25/21</a:t>
             </a:fld>
             <a:endParaRPr lang="en-US"/>
           </a:p>
@@ -4240,7 +4494,7 @@
           <a:p>
             <a:fld id="{17FDB60E-6FB8-3B4D-AC67-9B9738C90088}" type="datetimeFigureOut">
               <a:rPr lang="en-US" smtClean="0"/>
-              <a:t>6/17/21</a:t>
+              <a:t>6/25/21</a:t>
             </a:fld>
             <a:endParaRPr lang="en-US"/>
           </a:p>
@@ -4472,7 +4726,7 @@
           <a:p>
             <a:fld id="{17FDB60E-6FB8-3B4D-AC67-9B9738C90088}" type="datetimeFigureOut">
               <a:rPr lang="en-US" smtClean="0"/>
-              <a:t>6/17/21</a:t>
+              <a:t>6/25/21</a:t>
             </a:fld>
             <a:endParaRPr lang="en-US"/>
           </a:p>
@@ -4831,7 +5085,7 @@
           <a:p>
             <a:fld id="{17FDB60E-6FB8-3B4D-AC67-9B9738C90088}" type="datetimeFigureOut">
               <a:rPr lang="en-US" smtClean="0"/>
-              <a:t>6/17/21</a:t>
+              <a:t>6/25/21</a:t>
             </a:fld>
             <a:endParaRPr lang="en-US"/>
           </a:p>
@@ -4972,7 +5226,7 @@
           <a:p>
             <a:fld id="{17FDB60E-6FB8-3B4D-AC67-9B9738C90088}" type="datetimeFigureOut">
               <a:rPr lang="en-US" smtClean="0"/>
-              <a:t>6/17/21</a:t>
+              <a:t>6/25/21</a:t>
             </a:fld>
             <a:endParaRPr lang="en-US"/>
           </a:p>
@@ -5067,7 +5321,7 @@
           <a:p>
             <a:fld id="{17FDB60E-6FB8-3B4D-AC67-9B9738C90088}" type="datetimeFigureOut">
               <a:rPr lang="en-US" smtClean="0"/>
-              <a:t>6/17/21</a:t>
+              <a:t>6/25/21</a:t>
             </a:fld>
             <a:endParaRPr lang="en-US"/>
           </a:p>
@@ -5424,7 +5678,7 @@
           <a:p>
             <a:fld id="{17FDB60E-6FB8-3B4D-AC67-9B9738C90088}" type="datetimeFigureOut">
               <a:rPr lang="en-US" smtClean="0"/>
-              <a:t>6/17/21</a:t>
+              <a:t>6/25/21</a:t>
             </a:fld>
             <a:endParaRPr lang="en-US"/>
           </a:p>
@@ -5781,7 +6035,7 @@
           <a:p>
             <a:fld id="{17FDB60E-6FB8-3B4D-AC67-9B9738C90088}" type="datetimeFigureOut">
               <a:rPr lang="en-US" smtClean="0"/>
-              <a:t>6/17/21</a:t>
+              <a:t>6/25/21</a:t>
             </a:fld>
             <a:endParaRPr lang="en-US"/>
           </a:p>
@@ -6018,7 +6272,7 @@
           <a:p>
             <a:fld id="{17FDB60E-6FB8-3B4D-AC67-9B9738C90088}" type="datetimeFigureOut">
               <a:rPr lang="en-US" smtClean="0"/>
-              <a:t>6/17/21</a:t>
+              <a:t>6/25/21</a:t>
             </a:fld>
             <a:endParaRPr lang="en-US"/>
           </a:p>
@@ -6864,6 +7118,662 @@
 </p:sld>
 </file>
 
+<file path=ppt/slides/slide10.xml><?xml version="1.0" encoding="utf-8"?>
+<p:sld xmlns:a="http://schemas.openxmlformats.org/drawingml/2006/main" xmlns:r="http://schemas.openxmlformats.org/officeDocument/2006/relationships" xmlns:p="http://schemas.openxmlformats.org/presentationml/2006/main">
+  <p:cSld>
+    <p:bg>
+      <p:bgPr>
+        <a:solidFill>
+          <a:schemeClr val="accent2"/>
+        </a:solidFill>
+        <a:effectLst/>
+      </p:bgPr>
+    </p:bg>
+    <p:spTree>
+      <p:nvGrpSpPr>
+        <p:cNvPr id="1" name=""/>
+        <p:cNvGrpSpPr/>
+        <p:nvPr/>
+      </p:nvGrpSpPr>
+      <p:grpSpPr>
+        <a:xfrm>
+          <a:off x="0" y="0"/>
+          <a:ext cx="0" cy="0"/>
+          <a:chOff x="0" y="0"/>
+          <a:chExt cx="0" cy="0"/>
+        </a:xfrm>
+      </p:grpSpPr>
+      <p:sp>
+        <p:nvSpPr>
+          <p:cNvPr id="2" name="Title 1">
+            <a:extLst>
+              <a:ext uri="{FF2B5EF4-FFF2-40B4-BE49-F238E27FC236}">
+                <a16:creationId xmlns:a16="http://schemas.microsoft.com/office/drawing/2014/main" id="{ACF0C572-97A5-3B4A-A051-603800323B51}"/>
+              </a:ext>
+            </a:extLst>
+          </p:cNvPr>
+          <p:cNvSpPr>
+            <a:spLocks noGrp="1"/>
+          </p:cNvSpPr>
+          <p:nvPr>
+            <p:ph type="title"/>
+          </p:nvPr>
+        </p:nvSpPr>
+        <p:spPr>
+          <a:xfrm>
+            <a:off x="829781" y="2708804"/>
+            <a:ext cx="3698803" cy="1440394"/>
+          </a:xfrm>
+          <a:prstGeom prst="ellipse">
+            <a:avLst/>
+          </a:prstGeom>
+          <a:noFill/>
+          <a:ln>
+            <a:solidFill>
+              <a:schemeClr val="tx1"/>
+            </a:solidFill>
+          </a:ln>
+        </p:spPr>
+        <p:txBody>
+          <a:bodyPr>
+            <a:normAutofit/>
+          </a:bodyPr>
+          <a:lstStyle/>
+          <a:p>
+            <a:r>
+              <a:rPr lang="en-US" sz="2200">
+                <a:solidFill>
+                  <a:schemeClr val="tx1"/>
+                </a:solidFill>
+              </a:rPr>
+              <a:t>Best Hotel Price Model</a:t>
+            </a:r>
+          </a:p>
+        </p:txBody>
+      </p:sp>
+      <p:sp>
+        <p:nvSpPr>
+          <p:cNvPr id="26" name="Rectangle 25">
+            <a:extLst>
+              <a:ext uri="{FF2B5EF4-FFF2-40B4-BE49-F238E27FC236}">
+                <a16:creationId xmlns:a16="http://schemas.microsoft.com/office/drawing/2014/main" id="{FB403EBD-907E-4D59-98D4-A72CD1063C62}"/>
+              </a:ext>
+              <a:ext uri="{C183D7F6-B498-43B3-948B-1728B52AA6E4}">
+                <adec:decorative xmlns:adec="http://schemas.microsoft.com/office/drawing/2017/decorative" val="1"/>
+              </a:ext>
+            </a:extLst>
+          </p:cNvPr>
+          <p:cNvSpPr>
+            <a:spLocks noGrp="1" noRot="1" noChangeAspect="1" noMove="1" noResize="1" noEditPoints="1" noAdjustHandles="1" noChangeArrowheads="1" noChangeShapeType="1" noTextEdit="1"/>
+          </p:cNvSpPr>
+          <p:nvPr>
+            <p:extLst>
+              <p:ext uri="{386F3935-93C4-4BCD-93E2-E3B085C9AB24}">
+                <p16:designElem xmlns:p16="http://schemas.microsoft.com/office/powerpoint/2015/main" val="1"/>
+              </p:ext>
+            </p:extLst>
+          </p:nvPr>
+        </p:nvSpPr>
+        <p:spPr>
+          <a:xfrm>
+            <a:off x="5315061" y="-2"/>
+            <a:ext cx="6876939" cy="6858002"/>
+          </a:xfrm>
+          <a:prstGeom prst="rect">
+            <a:avLst/>
+          </a:prstGeom>
+          <a:solidFill>
+            <a:schemeClr val="tx1">
+              <a:lumMod val="95000"/>
+            </a:schemeClr>
+          </a:solidFill>
+          <a:ln>
+            <a:noFill/>
+          </a:ln>
+        </p:spPr>
+        <p:style>
+          <a:lnRef idx="2">
+            <a:schemeClr val="accent1">
+              <a:shade val="50000"/>
+            </a:schemeClr>
+          </a:lnRef>
+          <a:fillRef idx="1">
+            <a:schemeClr val="accent1"/>
+          </a:fillRef>
+          <a:effectRef idx="0">
+            <a:schemeClr val="accent1"/>
+          </a:effectRef>
+          <a:fontRef idx="minor">
+            <a:schemeClr val="lt1"/>
+          </a:fontRef>
+        </p:style>
+        <p:txBody>
+          <a:bodyPr rtlCol="0" anchor="ctr"/>
+          <a:lstStyle/>
+          <a:p>
+            <a:pPr algn="ctr"/>
+            <a:endParaRPr lang="en-US"/>
+          </a:p>
+        </p:txBody>
+      </p:sp>
+      <p:sp>
+        <p:nvSpPr>
+          <p:cNvPr id="3" name="Content Placeholder 2">
+            <a:extLst>
+              <a:ext uri="{FF2B5EF4-FFF2-40B4-BE49-F238E27FC236}">
+                <a16:creationId xmlns:a16="http://schemas.microsoft.com/office/drawing/2014/main" id="{901C54CC-68DF-AB4F-818F-D1155478DC8D}"/>
+              </a:ext>
+            </a:extLst>
+          </p:cNvPr>
+          <p:cNvSpPr>
+            <a:spLocks noGrp="1"/>
+          </p:cNvSpPr>
+          <p:nvPr>
+            <p:ph idx="1"/>
+          </p:nvPr>
+        </p:nvSpPr>
+        <p:spPr>
+          <a:xfrm>
+            <a:off x="6049182" y="802638"/>
+            <a:ext cx="5408696" cy="5252722"/>
+          </a:xfrm>
+        </p:spPr>
+        <p:txBody>
+          <a:bodyPr anchor="ctr">
+            <a:normAutofit/>
+          </a:bodyPr>
+          <a:lstStyle/>
+          <a:p>
+            <a:r>
+              <a:rPr lang="en-US">
+                <a:solidFill>
+                  <a:schemeClr val="bg1"/>
+                </a:solidFill>
+              </a:rPr>
+              <a:t>Random Forest</a:t>
+            </a:r>
+          </a:p>
+          <a:p>
+            <a:pPr lvl="1"/>
+            <a:r>
+              <a:rPr lang="en-US">
+                <a:solidFill>
+                  <a:schemeClr val="bg1"/>
+                </a:solidFill>
+              </a:rPr>
+              <a:t>n_estimator = 1000</a:t>
+            </a:r>
+          </a:p>
+          <a:p>
+            <a:pPr lvl="1"/>
+            <a:r>
+              <a:rPr lang="en-US">
+                <a:solidFill>
+                  <a:schemeClr val="bg1"/>
+                </a:solidFill>
+              </a:rPr>
+              <a:t>max_depth = 50</a:t>
+            </a:r>
+          </a:p>
+          <a:p>
+            <a:pPr lvl="1"/>
+            <a:r>
+              <a:rPr lang="en-US">
+                <a:solidFill>
+                  <a:schemeClr val="bg1"/>
+                </a:solidFill>
+              </a:rPr>
+              <a:t>max_features = ‘auto’</a:t>
+            </a:r>
+          </a:p>
+          <a:p>
+            <a:r>
+              <a:rPr lang="en-US">
+                <a:solidFill>
+                  <a:schemeClr val="bg1"/>
+                </a:solidFill>
+              </a:rPr>
+              <a:t>Errors</a:t>
+            </a:r>
+          </a:p>
+          <a:p>
+            <a:pPr lvl="1"/>
+            <a:r>
+              <a:rPr lang="en-US">
+                <a:solidFill>
+                  <a:schemeClr val="bg1"/>
+                </a:solidFill>
+              </a:rPr>
+              <a:t>R squared: 0.926</a:t>
+            </a:r>
+          </a:p>
+          <a:p>
+            <a:pPr lvl="1"/>
+            <a:r>
+              <a:rPr lang="en-US">
+                <a:solidFill>
+                  <a:schemeClr val="bg1"/>
+                </a:solidFill>
+              </a:rPr>
+              <a:t>Mean Squared Error: 12.675</a:t>
+            </a:r>
+          </a:p>
+          <a:p>
+            <a:pPr lvl="1"/>
+            <a:r>
+              <a:rPr lang="en-US">
+                <a:solidFill>
+                  <a:schemeClr val="bg1"/>
+                </a:solidFill>
+              </a:rPr>
+              <a:t>Mean Absolute Error: 6.5474</a:t>
+            </a:r>
+          </a:p>
+          <a:p>
+            <a:r>
+              <a:rPr lang="en-US">
+                <a:solidFill>
+                  <a:schemeClr val="bg1"/>
+                </a:solidFill>
+              </a:rPr>
+              <a:t>Top 5 Important features</a:t>
+            </a:r>
+          </a:p>
+          <a:p>
+            <a:pPr lvl="1"/>
+            <a:r>
+              <a:rPr lang="en-US">
+                <a:solidFill>
+                  <a:schemeClr val="bg1"/>
+                </a:solidFill>
+              </a:rPr>
+              <a:t>Arrival_date_month</a:t>
+            </a:r>
+          </a:p>
+          <a:p>
+            <a:pPr lvl="1"/>
+            <a:r>
+              <a:rPr lang="en-US">
+                <a:solidFill>
+                  <a:schemeClr val="bg1"/>
+                </a:solidFill>
+              </a:rPr>
+              <a:t>Reserved_room_type_A</a:t>
+            </a:r>
+          </a:p>
+          <a:p>
+            <a:pPr lvl="1"/>
+            <a:r>
+              <a:rPr lang="en-US">
+                <a:solidFill>
+                  <a:schemeClr val="bg1"/>
+                </a:solidFill>
+              </a:rPr>
+              <a:t>Arrival_date_week_number</a:t>
+            </a:r>
+          </a:p>
+          <a:p>
+            <a:pPr lvl="1"/>
+            <a:r>
+              <a:rPr lang="en-US">
+                <a:solidFill>
+                  <a:schemeClr val="bg1"/>
+                </a:solidFill>
+              </a:rPr>
+              <a:t>Children</a:t>
+            </a:r>
+          </a:p>
+          <a:p>
+            <a:pPr lvl="1"/>
+            <a:r>
+              <a:rPr lang="en-US">
+                <a:solidFill>
+                  <a:schemeClr val="bg1"/>
+                </a:solidFill>
+              </a:rPr>
+              <a:t>Agent</a:t>
+            </a:r>
+          </a:p>
+        </p:txBody>
+      </p:sp>
+    </p:spTree>
+    <p:extLst>
+      <p:ext uri="{BB962C8B-B14F-4D97-AF65-F5344CB8AC3E}">
+        <p14:creationId xmlns:p14="http://schemas.microsoft.com/office/powerpoint/2010/main" val="1267955503"/>
+      </p:ext>
+    </p:extLst>
+  </p:cSld>
+  <p:clrMapOvr>
+    <a:overrideClrMapping bg1="dk1" tx1="lt1" bg2="dk2" tx2="lt2" accent1="accent1" accent2="accent2" accent3="accent3" accent4="accent4" accent5="accent5" accent6="accent6" hlink="hlink" folHlink="folHlink"/>
+  </p:clrMapOvr>
+</p:sld>
+</file>
+
+<file path=ppt/slides/slide11.xml><?xml version="1.0" encoding="utf-8"?>
+<p:sld xmlns:a="http://schemas.openxmlformats.org/drawingml/2006/main" xmlns:r="http://schemas.openxmlformats.org/officeDocument/2006/relationships" xmlns:p="http://schemas.openxmlformats.org/presentationml/2006/main">
+  <p:cSld>
+    <p:bg>
+      <p:bgPr>
+        <a:solidFill>
+          <a:schemeClr val="bg1"/>
+        </a:solidFill>
+        <a:effectLst/>
+      </p:bgPr>
+    </p:bg>
+    <p:spTree>
+      <p:nvGrpSpPr>
+        <p:cNvPr id="1" name=""/>
+        <p:cNvGrpSpPr/>
+        <p:nvPr/>
+      </p:nvGrpSpPr>
+      <p:grpSpPr>
+        <a:xfrm>
+          <a:off x="0" y="0"/>
+          <a:ext cx="0" cy="0"/>
+          <a:chOff x="0" y="0"/>
+          <a:chExt cx="0" cy="0"/>
+        </a:xfrm>
+      </p:grpSpPr>
+      <p:sp>
+        <p:nvSpPr>
+          <p:cNvPr id="8" name="Rectangle 7">
+            <a:extLst>
+              <a:ext uri="{FF2B5EF4-FFF2-40B4-BE49-F238E27FC236}">
+                <a16:creationId xmlns:a16="http://schemas.microsoft.com/office/drawing/2014/main" id="{C33976D1-3430-450C-A978-87A9A6E8E71F}"/>
+              </a:ext>
+              <a:ext uri="{C183D7F6-B498-43B3-948B-1728B52AA6E4}">
+                <adec:decorative xmlns:adec="http://schemas.microsoft.com/office/drawing/2017/decorative" val="1"/>
+              </a:ext>
+            </a:extLst>
+          </p:cNvPr>
+          <p:cNvSpPr>
+            <a:spLocks noGrp="1" noRot="1" noChangeAspect="1" noMove="1" noResize="1" noEditPoints="1" noAdjustHandles="1" noChangeArrowheads="1" noChangeShapeType="1" noTextEdit="1"/>
+          </p:cNvSpPr>
+          <p:nvPr>
+            <p:extLst>
+              <p:ext uri="{386F3935-93C4-4BCD-93E2-E3B085C9AB24}">
+                <p16:designElem xmlns:p16="http://schemas.microsoft.com/office/powerpoint/2015/main" val="1"/>
+              </p:ext>
+            </p:extLst>
+          </p:nvPr>
+        </p:nvSpPr>
+        <p:spPr>
+          <a:xfrm>
+            <a:off x="0" y="0"/>
+            <a:ext cx="12192000" cy="6858000"/>
+          </a:xfrm>
+          <a:prstGeom prst="rect">
+            <a:avLst/>
+          </a:prstGeom>
+          <a:solidFill>
+            <a:schemeClr val="accent2"/>
+          </a:solidFill>
+          <a:ln>
+            <a:noFill/>
+          </a:ln>
+        </p:spPr>
+        <p:style>
+          <a:lnRef idx="2">
+            <a:schemeClr val="accent1">
+              <a:shade val="50000"/>
+            </a:schemeClr>
+          </a:lnRef>
+          <a:fillRef idx="1">
+            <a:schemeClr val="accent1"/>
+          </a:fillRef>
+          <a:effectRef idx="0">
+            <a:schemeClr val="accent1"/>
+          </a:effectRef>
+          <a:fontRef idx="minor">
+            <a:schemeClr val="lt1"/>
+          </a:fontRef>
+        </p:style>
+        <p:txBody>
+          <a:bodyPr rtlCol="0" anchor="ctr"/>
+          <a:lstStyle/>
+          <a:p>
+            <a:pPr algn="ctr"/>
+            <a:endParaRPr lang="en-US"/>
+          </a:p>
+        </p:txBody>
+      </p:sp>
+      <p:sp>
+        <p:nvSpPr>
+          <p:cNvPr id="10" name="Rectangle 9">
+            <a:extLst>
+              <a:ext uri="{FF2B5EF4-FFF2-40B4-BE49-F238E27FC236}">
+                <a16:creationId xmlns:a16="http://schemas.microsoft.com/office/drawing/2014/main" id="{7D6AAC78-7D86-415A-ADC1-2B474807960C}"/>
+              </a:ext>
+              <a:ext uri="{C183D7F6-B498-43B3-948B-1728B52AA6E4}">
+                <adec:decorative xmlns:adec="http://schemas.microsoft.com/office/drawing/2017/decorative" val="1"/>
+              </a:ext>
+            </a:extLst>
+          </p:cNvPr>
+          <p:cNvSpPr>
+            <a:spLocks noGrp="1" noRot="1" noChangeAspect="1" noMove="1" noResize="1" noEditPoints="1" noAdjustHandles="1" noChangeArrowheads="1" noChangeShapeType="1" noTextEdit="1"/>
+          </p:cNvSpPr>
+          <p:nvPr>
+            <p:extLst>
+              <p:ext uri="{386F3935-93C4-4BCD-93E2-E3B085C9AB24}">
+                <p16:designElem xmlns:p16="http://schemas.microsoft.com/office/powerpoint/2015/main" val="1"/>
+              </p:ext>
+            </p:extLst>
+          </p:nvPr>
+        </p:nvSpPr>
+        <p:spPr>
+          <a:xfrm>
+            <a:off x="1249680" y="1248156"/>
+            <a:ext cx="9692640" cy="4361688"/>
+          </a:xfrm>
+          <a:prstGeom prst="rect">
+            <a:avLst/>
+          </a:prstGeom>
+          <a:solidFill>
+            <a:srgbClr val="FFFFFF"/>
+          </a:solidFill>
+          <a:ln>
+            <a:noFill/>
+          </a:ln>
+        </p:spPr>
+        <p:style>
+          <a:lnRef idx="2">
+            <a:schemeClr val="accent1">
+              <a:shade val="50000"/>
+            </a:schemeClr>
+          </a:lnRef>
+          <a:fillRef idx="1">
+            <a:schemeClr val="accent1"/>
+          </a:fillRef>
+          <a:effectRef idx="0">
+            <a:schemeClr val="accent1"/>
+          </a:effectRef>
+          <a:fontRef idx="minor">
+            <a:schemeClr val="lt1"/>
+          </a:fontRef>
+        </p:style>
+        <p:txBody>
+          <a:bodyPr rtlCol="0" anchor="ctr"/>
+          <a:lstStyle/>
+          <a:p>
+            <a:pPr algn="ctr"/>
+            <a:endParaRPr lang="en-US"/>
+          </a:p>
+        </p:txBody>
+      </p:sp>
+      <p:sp>
+        <p:nvSpPr>
+          <p:cNvPr id="12" name="Rectangle 11">
+            <a:extLst>
+              <a:ext uri="{FF2B5EF4-FFF2-40B4-BE49-F238E27FC236}">
+                <a16:creationId xmlns:a16="http://schemas.microsoft.com/office/drawing/2014/main" id="{F2A658D9-F185-44F1-BA33-D50320D1D078}"/>
+              </a:ext>
+              <a:ext uri="{C183D7F6-B498-43B3-948B-1728B52AA6E4}">
+                <adec:decorative xmlns:adec="http://schemas.microsoft.com/office/drawing/2017/decorative" val="1"/>
+              </a:ext>
+            </a:extLst>
+          </p:cNvPr>
+          <p:cNvSpPr>
+            <a:spLocks noGrp="1" noRot="1" noChangeAspect="1" noMove="1" noResize="1" noEditPoints="1" noAdjustHandles="1" noChangeArrowheads="1" noChangeShapeType="1" noTextEdit="1"/>
+          </p:cNvSpPr>
+          <p:nvPr>
+            <p:extLst>
+              <p:ext uri="{386F3935-93C4-4BCD-93E2-E3B085C9AB24}">
+                <p16:designElem xmlns:p16="http://schemas.microsoft.com/office/powerpoint/2015/main" val="1"/>
+              </p:ext>
+            </p:extLst>
+          </p:nvPr>
+        </p:nvSpPr>
+        <p:spPr>
+          <a:xfrm>
+            <a:off x="1062228" y="1060704"/>
+            <a:ext cx="10067544" cy="4736592"/>
+          </a:xfrm>
+          <a:prstGeom prst="rect">
+            <a:avLst/>
+          </a:prstGeom>
+          <a:noFill/>
+          <a:ln w="31750" cap="sq">
+            <a:solidFill>
+              <a:srgbClr val="FFFFFF"/>
+            </a:solidFill>
+            <a:miter lim="800000"/>
+          </a:ln>
+        </p:spPr>
+        <p:style>
+          <a:lnRef idx="2">
+            <a:schemeClr val="accent1">
+              <a:shade val="50000"/>
+            </a:schemeClr>
+          </a:lnRef>
+          <a:fillRef idx="1">
+            <a:schemeClr val="accent1"/>
+          </a:fillRef>
+          <a:effectRef idx="0">
+            <a:schemeClr val="accent1"/>
+          </a:effectRef>
+          <a:fontRef idx="minor">
+            <a:schemeClr val="lt1"/>
+          </a:fontRef>
+        </p:style>
+        <p:txBody>
+          <a:bodyPr rtlCol="0" anchor="ctr"/>
+          <a:lstStyle/>
+          <a:p>
+            <a:pPr algn="ctr"/>
+            <a:endParaRPr lang="en-US"/>
+          </a:p>
+        </p:txBody>
+      </p:sp>
+      <p:sp>
+        <p:nvSpPr>
+          <p:cNvPr id="2" name="Title 1">
+            <a:extLst>
+              <a:ext uri="{FF2B5EF4-FFF2-40B4-BE49-F238E27FC236}">
+                <a16:creationId xmlns:a16="http://schemas.microsoft.com/office/drawing/2014/main" id="{8F268B1C-785D-594A-A171-905C24D1ED39}"/>
+              </a:ext>
+            </a:extLst>
+          </p:cNvPr>
+          <p:cNvSpPr>
+            <a:spLocks noGrp="1"/>
+          </p:cNvSpPr>
+          <p:nvPr>
+            <p:ph type="title"/>
+          </p:nvPr>
+        </p:nvSpPr>
+        <p:spPr>
+          <a:xfrm>
+            <a:off x="2231136" y="467418"/>
+            <a:ext cx="7729728" cy="1188720"/>
+          </a:xfrm>
+          <a:solidFill>
+            <a:srgbClr val="FFFFFF"/>
+          </a:solidFill>
+        </p:spPr>
+        <p:txBody>
+          <a:bodyPr>
+            <a:normAutofit/>
+          </a:bodyPr>
+          <a:lstStyle/>
+          <a:p>
+            <a:r>
+              <a:rPr lang="en-US" dirty="0"/>
+              <a:t>Conclusions</a:t>
+            </a:r>
+          </a:p>
+        </p:txBody>
+      </p:sp>
+      <p:sp>
+        <p:nvSpPr>
+          <p:cNvPr id="3" name="Content Placeholder 2">
+            <a:extLst>
+              <a:ext uri="{FF2B5EF4-FFF2-40B4-BE49-F238E27FC236}">
+                <a16:creationId xmlns:a16="http://schemas.microsoft.com/office/drawing/2014/main" id="{D13A52A1-16B0-5744-AF5A-EE7DFFC8F6B9}"/>
+              </a:ext>
+            </a:extLst>
+          </p:cNvPr>
+          <p:cNvSpPr>
+            <a:spLocks noGrp="1"/>
+          </p:cNvSpPr>
+          <p:nvPr>
+            <p:ph idx="1"/>
+          </p:nvPr>
+        </p:nvSpPr>
+        <p:spPr>
+          <a:xfrm>
+            <a:off x="1706062" y="2291262"/>
+            <a:ext cx="8779512" cy="2879256"/>
+          </a:xfrm>
+        </p:spPr>
+        <p:txBody>
+          <a:bodyPr>
+            <a:normAutofit/>
+          </a:bodyPr>
+          <a:lstStyle/>
+          <a:p>
+            <a:r>
+              <a:rPr lang="en-US">
+                <a:solidFill>
+                  <a:srgbClr val="404040"/>
+                </a:solidFill>
+              </a:rPr>
+              <a:t>Provided hotels the analysis to reduce cancellation and set reasonable price points which helps to reduce unexpected profit loss</a:t>
+            </a:r>
+          </a:p>
+          <a:p>
+            <a:r>
+              <a:rPr lang="en-US">
+                <a:solidFill>
+                  <a:srgbClr val="404040"/>
+                </a:solidFill>
+              </a:rPr>
+              <a:t>Developed classification and regression models for hotel using various machine learning algorithms with above 90% average accuracy in model performance </a:t>
+            </a:r>
+          </a:p>
+          <a:p>
+            <a:r>
+              <a:rPr lang="en-US">
+                <a:solidFill>
+                  <a:srgbClr val="404040"/>
+                </a:solidFill>
+              </a:rPr>
+              <a:t>Performed comparative studies to analyze how feature importance impacts the results of the price and cancellation models for individual transactions for customers</a:t>
+            </a:r>
+          </a:p>
+        </p:txBody>
+      </p:sp>
+    </p:spTree>
+    <p:extLst>
+      <p:ext uri="{BB962C8B-B14F-4D97-AF65-F5344CB8AC3E}">
+        <p14:creationId xmlns:p14="http://schemas.microsoft.com/office/powerpoint/2010/main" val="2969408747"/>
+      </p:ext>
+    </p:extLst>
+  </p:cSld>
+  <p:clrMapOvr>
+    <a:masterClrMapping/>
+  </p:clrMapOvr>
+</p:sld>
+</file>
+
 <file path=ppt/slides/slide2.xml><?xml version="1.0" encoding="utf-8"?>
 <p:sld xmlns:a="http://schemas.openxmlformats.org/drawingml/2006/main" xmlns:r="http://schemas.openxmlformats.org/officeDocument/2006/relationships" xmlns:p="http://schemas.openxmlformats.org/presentationml/2006/main">
   <p:cSld>
@@ -7376,9 +8286,7 @@
     <p:bg>
       <p:bgPr>
         <a:solidFill>
-          <a:schemeClr val="bg1">
-            <a:lumMod val="95000"/>
-          </a:schemeClr>
+          <a:schemeClr val="bg2"/>
         </a:solidFill>
         <a:effectLst/>
       </p:bgPr>
@@ -7397,12 +8305,96 @@
           <a:chExt cx="0" cy="0"/>
         </a:xfrm>
       </p:grpSpPr>
-      <p:sp useBgFill="1">
-        <p:nvSpPr>
-          <p:cNvPr id="30" name="Rectangle 29">
+      <p:pic>
+        <p:nvPicPr>
+          <p:cNvPr id="6" name="Picture 4" descr="Close-up of a pen&#10;&#10;Description automatically generated with medium confidence">
             <a:extLst>
               <a:ext uri="{FF2B5EF4-FFF2-40B4-BE49-F238E27FC236}">
-                <a16:creationId xmlns:a16="http://schemas.microsoft.com/office/drawing/2014/main" id="{1660E788-AFA9-4A1B-9991-6AA74632A15B}"/>
+                <a16:creationId xmlns:a16="http://schemas.microsoft.com/office/drawing/2014/main" id="{ED8A1931-E909-4D49-856F-5F2C626BA76E}"/>
+              </a:ext>
+            </a:extLst>
+          </p:cNvPr>
+          <p:cNvPicPr>
+            <a:picLocks noChangeAspect="1"/>
+          </p:cNvPicPr>
+          <p:nvPr/>
+        </p:nvPicPr>
+        <p:blipFill rotWithShape="1">
+          <a:blip r:embed="rId3"/>
+          <a:srcRect l="20178" r="6455" b="-1"/>
+          <a:stretch/>
+        </p:blipFill>
+        <p:spPr>
+          <a:xfrm>
+            <a:off x="20" y="10"/>
+            <a:ext cx="7537684" cy="6857990"/>
+          </a:xfrm>
+          <a:prstGeom prst="rect">
+            <a:avLst/>
+          </a:prstGeom>
+        </p:spPr>
+      </p:pic>
+      <p:sp>
+        <p:nvSpPr>
+          <p:cNvPr id="2" name="Title 1">
+            <a:extLst>
+              <a:ext uri="{FF2B5EF4-FFF2-40B4-BE49-F238E27FC236}">
+                <a16:creationId xmlns:a16="http://schemas.microsoft.com/office/drawing/2014/main" id="{D5778F91-5B0F-F641-9AC7-074EA39E50C3}"/>
+              </a:ext>
+            </a:extLst>
+          </p:cNvPr>
+          <p:cNvSpPr>
+            <a:spLocks noGrp="1"/>
+          </p:cNvSpPr>
+          <p:nvPr>
+            <p:ph type="title"/>
+          </p:nvPr>
+        </p:nvSpPr>
+        <p:spPr>
+          <a:xfrm>
+            <a:off x="804672" y="2844368"/>
+            <a:ext cx="5928360" cy="1188720"/>
+          </a:xfrm>
+          <a:solidFill>
+            <a:schemeClr val="bg1">
+              <a:alpha val="80000"/>
+            </a:schemeClr>
+          </a:solidFill>
+          <a:ln>
+            <a:solidFill>
+              <a:schemeClr val="tx1">
+                <a:lumMod val="75000"/>
+                <a:lumOff val="25000"/>
+              </a:schemeClr>
+            </a:solidFill>
+          </a:ln>
+        </p:spPr>
+        <p:txBody>
+          <a:bodyPr>
+            <a:normAutofit/>
+          </a:bodyPr>
+          <a:lstStyle/>
+          <a:p>
+            <a:r>
+              <a:rPr lang="en-US">
+                <a:solidFill>
+                  <a:schemeClr val="tx1">
+                    <a:lumMod val="85000"/>
+                    <a:lumOff val="15000"/>
+                  </a:schemeClr>
+                </a:solidFill>
+              </a:rPr>
+              <a:t>Data Wrangling</a:t>
+            </a:r>
+          </a:p>
+        </p:txBody>
+      </p:sp>
+      <p:sp>
+        <p:nvSpPr>
+          <p:cNvPr id="7" name="Rectangle 8">
+            <a:extLst>
+              <a:ext uri="{FF2B5EF4-FFF2-40B4-BE49-F238E27FC236}">
+                <a16:creationId xmlns:a16="http://schemas.microsoft.com/office/drawing/2014/main" id="{68D8C857-9447-4941-8520-9A44A926F4FF}"/>
               </a:ext>
               <a:ext uri="{C183D7F6-B498-43B3-948B-1728B52AA6E4}">
                 <adec:decorative xmlns:adec="http://schemas.microsoft.com/office/drawing/2017/decorative" val="1"/>
@@ -7422,12 +8414,15 @@
         </p:nvSpPr>
         <p:spPr>
           <a:xfrm>
-            <a:off x="0" y="0"/>
-            <a:ext cx="12191999" cy="6858000"/>
+            <a:off x="7537704" y="6740"/>
+            <a:ext cx="4654296" cy="6858000"/>
           </a:xfrm>
           <a:prstGeom prst="rect">
             <a:avLst/>
           </a:prstGeom>
+          <a:solidFill>
+            <a:schemeClr val="accent2"/>
+          </a:solidFill>
           <a:ln>
             <a:noFill/>
           </a:ln>
@@ -7459,503 +8454,186 @@
       </p:sp>
       <p:sp>
         <p:nvSpPr>
-          <p:cNvPr id="32" name="Rectangle 31">
+          <p:cNvPr id="3" name="Content Placeholder 2">
             <a:extLst>
               <a:ext uri="{FF2B5EF4-FFF2-40B4-BE49-F238E27FC236}">
-                <a16:creationId xmlns:a16="http://schemas.microsoft.com/office/drawing/2014/main" id="{867D4867-5BA7-4462-B2F6-A23F4A622AA7}"/>
-              </a:ext>
-              <a:ext uri="{C183D7F6-B498-43B3-948B-1728B52AA6E4}">
-                <adec:decorative xmlns:adec="http://schemas.microsoft.com/office/drawing/2017/decorative" val="1"/>
+                <a16:creationId xmlns:a16="http://schemas.microsoft.com/office/drawing/2014/main" id="{CE3DB1B6-DEDB-E149-AF6B-49630A142496}"/>
               </a:ext>
             </a:extLst>
           </p:cNvPr>
           <p:cNvSpPr>
-            <a:spLocks noGrp="1" noRot="1" noChangeAspect="1" noMove="1" noResize="1" noEditPoints="1" noAdjustHandles="1" noChangeArrowheads="1" noChangeShapeType="1" noTextEdit="1"/>
-          </p:cNvSpPr>
-          <p:nvPr>
-            <p:extLst>
-              <p:ext uri="{386F3935-93C4-4BCD-93E2-E3B085C9AB24}">
-                <p16:designElem xmlns:p16="http://schemas.microsoft.com/office/powerpoint/2015/main" val="1"/>
-              </p:ext>
-            </p:extLst>
+            <a:spLocks noGrp="1"/>
+          </p:cNvSpPr>
+          <p:nvPr>
+            <p:ph idx="1"/>
           </p:nvPr>
         </p:nvSpPr>
         <p:spPr>
           <a:xfrm>
-            <a:off x="0" y="0"/>
-            <a:ext cx="4654296" cy="6858000"/>
+            <a:off x="8031892" y="630195"/>
+            <a:ext cx="3880022" cy="5708821"/>
           </a:xfrm>
-          <a:prstGeom prst="rect">
-            <a:avLst/>
-          </a:prstGeom>
-          <a:solidFill>
-            <a:schemeClr val="tx2"/>
-          </a:solidFill>
-          <a:ln>
-            <a:noFill/>
-          </a:ln>
         </p:spPr>
-        <p:style>
-          <a:lnRef idx="0">
-            <a:scrgbClr r="0" g="0" b="0"/>
-          </a:lnRef>
-          <a:fillRef idx="0">
-            <a:scrgbClr r="0" g="0" b="0"/>
-          </a:fillRef>
-          <a:effectRef idx="0">
-            <a:scrgbClr r="0" g="0" b="0"/>
-          </a:effectRef>
-          <a:fontRef idx="minor">
-            <a:schemeClr val="lt1"/>
-          </a:fontRef>
-        </p:style>
-        <p:txBody>
-          <a:bodyPr rtlCol="0" anchor="ctr"/>
-          <a:lstStyle/>
-          <a:p>
-            <a:pPr algn="ctr"/>
-            <a:endParaRPr lang="en-US"/>
-          </a:p>
-        </p:txBody>
-      </p:sp>
-      <p:sp>
-        <p:nvSpPr>
-          <p:cNvPr id="2" name="Title 1">
-            <a:extLst>
-              <a:ext uri="{FF2B5EF4-FFF2-40B4-BE49-F238E27FC236}">
-                <a16:creationId xmlns:a16="http://schemas.microsoft.com/office/drawing/2014/main" id="{1D87F557-DCF1-D54B-9E52-DAFD8813B23A}"/>
-              </a:ext>
-            </a:extLst>
-          </p:cNvPr>
-          <p:cNvSpPr>
-            <a:spLocks noGrp="1"/>
-          </p:cNvSpPr>
-          <p:nvPr>
-            <p:ph type="title"/>
-          </p:nvPr>
-        </p:nvSpPr>
-        <p:spPr>
-          <a:xfrm>
-            <a:off x="643467" y="643467"/>
-            <a:ext cx="3363974" cy="1728044"/>
-          </a:xfrm>
-          <a:noFill/>
-          <a:ln>
-            <a:solidFill>
-              <a:schemeClr val="bg1"/>
-            </a:solidFill>
-          </a:ln>
-        </p:spPr>
-        <p:txBody>
-          <a:bodyPr wrap="square">
+        <p:txBody>
+          <a:bodyPr anchor="ctr">
             <a:normAutofit/>
           </a:bodyPr>
           <a:lstStyle/>
           <a:p>
-            <a:r>
-              <a:rPr lang="en-US" sz="2000" dirty="0">
+            <a:pPr marL="342900" indent="-342900">
+              <a:lnSpc>
+                <a:spcPct val="90000"/>
+              </a:lnSpc>
+              <a:buClr>
+                <a:schemeClr val="tx1"/>
+              </a:buClr>
+              <a:buFont typeface="+mj-lt"/>
+              <a:buAutoNum type="arabicPeriod"/>
+            </a:pPr>
+            <a:r>
+              <a:rPr lang="en-US" sz="1700" dirty="0">
                 <a:solidFill>
-                  <a:schemeClr val="bg1"/>
+                  <a:srgbClr val="FFFFFF"/>
                 </a:solidFill>
               </a:rPr>
-              <a:t>Important factors affecting cancellation and price</a:t>
-            </a:r>
-          </a:p>
-        </p:txBody>
-      </p:sp>
-      <p:sp>
-        <p:nvSpPr>
-          <p:cNvPr id="24" name="Content Placeholder 15">
-            <a:extLst>
-              <a:ext uri="{FF2B5EF4-FFF2-40B4-BE49-F238E27FC236}">
-                <a16:creationId xmlns:a16="http://schemas.microsoft.com/office/drawing/2014/main" id="{6F9C1116-D6E8-4EF0-B1F7-872CF70A2D84}"/>
-              </a:ext>
-            </a:extLst>
-          </p:cNvPr>
-          <p:cNvSpPr>
-            <a:spLocks noGrp="1"/>
-          </p:cNvSpPr>
-          <p:nvPr>
-            <p:ph idx="1"/>
-          </p:nvPr>
-        </p:nvSpPr>
-        <p:spPr>
-          <a:xfrm>
-            <a:off x="643468" y="2638044"/>
-            <a:ext cx="3363974" cy="3415622"/>
-          </a:xfrm>
-        </p:spPr>
-        <p:txBody>
-          <a:bodyPr>
-            <a:normAutofit fontScale="85000" lnSpcReduction="20000"/>
-          </a:bodyPr>
-          <a:lstStyle/>
-          <a:p>
-            <a:pPr>
+              <a:t>Processed date types data and stored them into year, month, day separately</a:t>
+            </a:r>
+          </a:p>
+          <a:p>
+            <a:pPr marL="342900" indent="-342900">
+              <a:lnSpc>
+                <a:spcPct val="90000"/>
+              </a:lnSpc>
               <a:buClr>
-                <a:schemeClr val="bg1"/>
+                <a:schemeClr val="tx1"/>
               </a:buClr>
-              <a:buFont typeface="Wingdings" pitchFamily="2" charset="2"/>
-              <a:buChar char="q"/>
+              <a:buFont typeface="+mj-lt"/>
+              <a:buAutoNum type="arabicPeriod"/>
             </a:pPr>
             <a:r>
-              <a:rPr lang="en-US" dirty="0">
+              <a:rPr lang="en-US" sz="1700" dirty="0">
                 <a:solidFill>
-                  <a:schemeClr val="bg1"/>
+                  <a:srgbClr val="FFFFFF"/>
                 </a:solidFill>
               </a:rPr>
-              <a:t>Cancellation</a:t>
-            </a:r>
-          </a:p>
-          <a:p>
-            <a:pPr lvl="1">
+              <a:t>Dropped any columns with more than 50% missing values</a:t>
+            </a:r>
+          </a:p>
+          <a:p>
+            <a:pPr marL="342900" indent="-342900">
+              <a:lnSpc>
+                <a:spcPct val="90000"/>
+              </a:lnSpc>
               <a:buClr>
-                <a:schemeClr val="bg1"/>
+                <a:schemeClr val="tx1"/>
               </a:buClr>
+              <a:buFont typeface="+mj-lt"/>
+              <a:buAutoNum type="arabicPeriod"/>
             </a:pPr>
             <a:r>
-              <a:rPr lang="en-US" dirty="0" err="1">
+              <a:rPr lang="en-US" sz="1700" dirty="0">
                 <a:solidFill>
-                  <a:schemeClr val="bg1"/>
+                  <a:srgbClr val="FFFFFF"/>
                 </a:solidFill>
               </a:rPr>
-              <a:t>Lead_time</a:t>
-            </a:r>
-            <a:endParaRPr lang="en-US" dirty="0">
+              <a:t>Implicated missing values with reasonable data</a:t>
+            </a:r>
+          </a:p>
+          <a:p>
+            <a:pPr marL="342900" indent="-342900">
+              <a:lnSpc>
+                <a:spcPct val="90000"/>
+              </a:lnSpc>
+              <a:buClr>
+                <a:schemeClr val="tx1"/>
+              </a:buClr>
+              <a:buFont typeface="+mj-lt"/>
+              <a:buAutoNum type="arabicPeriod"/>
+            </a:pPr>
+            <a:r>
+              <a:rPr lang="en-US" sz="1700" dirty="0">
+                <a:solidFill>
+                  <a:srgbClr val="FFFFFF"/>
+                </a:solidFill>
+              </a:rPr>
+              <a:t>Dropped suspicious data with no additional information available</a:t>
+            </a:r>
+          </a:p>
+          <a:p>
+            <a:pPr marL="0" indent="0">
+              <a:lnSpc>
+                <a:spcPct val="90000"/>
+              </a:lnSpc>
+              <a:buNone/>
+            </a:pPr>
+            <a:endParaRPr lang="en-US" sz="1700" dirty="0">
               <a:solidFill>
-                <a:schemeClr val="bg1"/>
+                <a:srgbClr val="FFFFFF"/>
               </a:solidFill>
             </a:endParaRPr>
           </a:p>
           <a:p>
-            <a:pPr lvl="1">
-              <a:buClr>
-                <a:schemeClr val="bg1"/>
-              </a:buClr>
+            <a:pPr marL="0" indent="0">
+              <a:lnSpc>
+                <a:spcPct val="90000"/>
+              </a:lnSpc>
+              <a:buNone/>
             </a:pPr>
             <a:r>
-              <a:rPr lang="en-US" dirty="0" err="1">
+              <a:rPr lang="en-US" sz="1700" dirty="0">
                 <a:solidFill>
-                  <a:schemeClr val="bg1"/>
+                  <a:srgbClr val="FFFFFF"/>
                 </a:solidFill>
               </a:rPr>
-              <a:t>Previous_cancellation</a:t>
-            </a:r>
-            <a:endParaRPr lang="en-US" dirty="0">
-              <a:solidFill>
-                <a:schemeClr val="bg1"/>
-              </a:solidFill>
-            </a:endParaRPr>
-          </a:p>
-          <a:p>
-            <a:pPr lvl="1">
-              <a:buClr>
-                <a:schemeClr val="bg1"/>
-              </a:buClr>
+              <a:t>After Data Wrangling Process,</a:t>
+            </a:r>
+          </a:p>
+          <a:p>
+            <a:pPr marL="0" indent="0">
+              <a:lnSpc>
+                <a:spcPct val="90000"/>
+              </a:lnSpc>
+              <a:buNone/>
             </a:pPr>
             <a:r>
-              <a:rPr lang="en-US" dirty="0" err="1">
+              <a:rPr lang="en-US" sz="1700" dirty="0">
                 <a:solidFill>
-                  <a:schemeClr val="bg1"/>
+                  <a:srgbClr val="FFFFFF"/>
                 </a:solidFill>
               </a:rPr>
-              <a:t>Days_in_waiting_list</a:t>
-            </a:r>
-            <a:endParaRPr lang="en-US" dirty="0">
-              <a:solidFill>
-                <a:schemeClr val="bg1"/>
-              </a:solidFill>
-            </a:endParaRPr>
-          </a:p>
-          <a:p>
-            <a:pPr lvl="1">
-              <a:buClr>
-                <a:schemeClr val="bg1"/>
-              </a:buClr>
+              <a:t>Final dataset left with </a:t>
+            </a:r>
+          </a:p>
+          <a:p>
+            <a:pPr marL="0" indent="0">
+              <a:lnSpc>
+                <a:spcPct val="90000"/>
+              </a:lnSpc>
+              <a:buNone/>
             </a:pPr>
             <a:r>
-              <a:rPr lang="en-US" dirty="0" err="1">
+              <a:rPr lang="en-US" sz="2000" b="1" dirty="0">
                 <a:solidFill>
-                  <a:schemeClr val="bg1"/>
+                  <a:srgbClr val="FFFFFF"/>
                 </a:solidFill>
               </a:rPr>
-              <a:t>adr</a:t>
-            </a:r>
-            <a:endParaRPr lang="en-US" dirty="0">
-              <a:solidFill>
-                <a:schemeClr val="bg1"/>
-              </a:solidFill>
-            </a:endParaRPr>
-          </a:p>
-          <a:p>
-            <a:pPr>
-              <a:buClr>
-                <a:schemeClr val="bg1"/>
-              </a:buClr>
-              <a:buFont typeface="Wingdings" pitchFamily="2" charset="2"/>
-              <a:buChar char="q"/>
+              <a:t>116,951 rows and 35 columns </a:t>
+            </a:r>
+          </a:p>
+          <a:p>
+            <a:pPr marL="0" indent="0">
+              <a:lnSpc>
+                <a:spcPct val="90000"/>
+              </a:lnSpc>
+              <a:buNone/>
             </a:pPr>
             <a:r>
-              <a:rPr lang="en-US" dirty="0">
+              <a:rPr lang="en-US" sz="1700" dirty="0">
                 <a:solidFill>
-                  <a:schemeClr val="bg1"/>
+                  <a:srgbClr val="FFFFFF"/>
                 </a:solidFill>
               </a:rPr>
-              <a:t>Average Daily Rate (ADR)</a:t>
-            </a:r>
-          </a:p>
-          <a:p>
-            <a:pPr lvl="1">
-              <a:buClr>
-                <a:schemeClr val="bg1"/>
-              </a:buClr>
-            </a:pPr>
-            <a:r>
-              <a:rPr lang="en-US" dirty="0">
-                <a:solidFill>
-                  <a:schemeClr val="bg1"/>
-                </a:solidFill>
-              </a:rPr>
-              <a:t>Children</a:t>
-            </a:r>
-          </a:p>
-          <a:p>
-            <a:pPr lvl="1">
-              <a:buClr>
-                <a:schemeClr val="bg1"/>
-              </a:buClr>
-            </a:pPr>
-            <a:r>
-              <a:rPr lang="en-US" dirty="0">
-                <a:solidFill>
-                  <a:schemeClr val="bg1"/>
-                </a:solidFill>
-              </a:rPr>
-              <a:t>Adults</a:t>
-            </a:r>
-          </a:p>
-          <a:p>
-            <a:pPr lvl="1">
-              <a:buClr>
-                <a:schemeClr val="bg1"/>
-              </a:buClr>
-            </a:pPr>
-            <a:r>
-              <a:rPr lang="en-US" dirty="0" err="1">
-                <a:solidFill>
-                  <a:schemeClr val="bg1"/>
-                </a:solidFill>
-              </a:rPr>
-              <a:t>Reservation_status_date_year</a:t>
-            </a:r>
-            <a:endParaRPr lang="en-US" dirty="0">
-              <a:solidFill>
-                <a:schemeClr val="bg1"/>
-              </a:solidFill>
-            </a:endParaRPr>
-          </a:p>
-          <a:p>
-            <a:pPr lvl="1">
-              <a:buClr>
-                <a:schemeClr val="bg1"/>
-              </a:buClr>
-            </a:pPr>
-            <a:r>
-              <a:rPr lang="en-US" dirty="0" err="1">
-                <a:solidFill>
-                  <a:schemeClr val="bg1"/>
-                </a:solidFill>
-              </a:rPr>
-              <a:t>Arrival_date_year</a:t>
-            </a:r>
-            <a:endParaRPr lang="en-US" dirty="0">
-              <a:solidFill>
-                <a:schemeClr val="bg1"/>
-              </a:solidFill>
-            </a:endParaRPr>
-          </a:p>
-          <a:p>
-            <a:pPr lvl="1">
-              <a:buClr>
-                <a:schemeClr val="bg1"/>
-              </a:buClr>
-            </a:pPr>
-            <a:r>
-              <a:rPr lang="en-US" dirty="0" err="1">
-                <a:solidFill>
-                  <a:schemeClr val="bg1"/>
-                </a:solidFill>
-              </a:rPr>
-              <a:t>Total_of_special_requests</a:t>
-            </a:r>
-            <a:endParaRPr lang="en-US" dirty="0">
-              <a:solidFill>
-                <a:schemeClr val="bg1"/>
-              </a:solidFill>
-            </a:endParaRPr>
-          </a:p>
-        </p:txBody>
-      </p:sp>
-      <p:pic>
-        <p:nvPicPr>
-          <p:cNvPr id="18" name="Picture 17" descr="Chart&#10;&#10;Description automatically generated">
-            <a:extLst>
-              <a:ext uri="{FF2B5EF4-FFF2-40B4-BE49-F238E27FC236}">
-                <a16:creationId xmlns:a16="http://schemas.microsoft.com/office/drawing/2014/main" id="{5D834F56-988C-9149-96C9-C957F4445E15}"/>
-              </a:ext>
-            </a:extLst>
-          </p:cNvPr>
-          <p:cNvPicPr/>
-          <p:nvPr/>
-        </p:nvPicPr>
-        <p:blipFill>
-          <a:blip r:embed="rId3"/>
-          <a:stretch>
-            <a:fillRect/>
-          </a:stretch>
-        </p:blipFill>
-        <p:spPr>
-          <a:xfrm>
-            <a:off x="5731574" y="643467"/>
-            <a:ext cx="5383147" cy="5410199"/>
-          </a:xfrm>
-          <a:prstGeom prst="rect">
-            <a:avLst/>
-          </a:prstGeom>
-        </p:spPr>
-      </p:pic>
-      <p:sp>
-        <p:nvSpPr>
-          <p:cNvPr id="23" name="Rectangle 22">
-            <a:extLst>
-              <a:ext uri="{FF2B5EF4-FFF2-40B4-BE49-F238E27FC236}">
-                <a16:creationId xmlns:a16="http://schemas.microsoft.com/office/drawing/2014/main" id="{1C92EBEC-B32C-3042-9B76-8B5917B160F5}"/>
-              </a:ext>
-            </a:extLst>
-          </p:cNvPr>
-          <p:cNvSpPr/>
-          <p:nvPr/>
-        </p:nvSpPr>
-        <p:spPr>
-          <a:xfrm rot="16200000" flipH="1">
-            <a:off x="8286377" y="1933389"/>
-            <a:ext cx="167342" cy="3962403"/>
-          </a:xfrm>
-          <a:prstGeom prst="rect">
-            <a:avLst/>
-          </a:prstGeom>
-          <a:noFill/>
-          <a:ln w="38100">
-            <a:solidFill>
-              <a:srgbClr val="00B0F0"/>
-            </a:solidFill>
-          </a:ln>
-        </p:spPr>
-        <p:style>
-          <a:lnRef idx="2">
-            <a:schemeClr val="accent1"/>
-          </a:lnRef>
-          <a:fillRef idx="1">
-            <a:schemeClr val="lt1"/>
-          </a:fillRef>
-          <a:effectRef idx="0">
-            <a:schemeClr val="accent1"/>
-          </a:effectRef>
-          <a:fontRef idx="minor">
-            <a:schemeClr val="dk1"/>
-          </a:fontRef>
-        </p:style>
-        <p:txBody>
-          <a:bodyPr rtlCol="0" anchor="ctr"/>
-          <a:lstStyle/>
-          <a:p>
-            <a:pPr algn="ctr"/>
-            <a:endParaRPr lang="en-US"/>
-          </a:p>
-        </p:txBody>
-      </p:sp>
-      <p:sp>
-        <p:nvSpPr>
-          <p:cNvPr id="25" name="Rectangle 24">
-            <a:extLst>
-              <a:ext uri="{FF2B5EF4-FFF2-40B4-BE49-F238E27FC236}">
-                <a16:creationId xmlns:a16="http://schemas.microsoft.com/office/drawing/2014/main" id="{EC751F1B-728B-984E-B64D-655829E50C60}"/>
-              </a:ext>
-            </a:extLst>
-          </p:cNvPr>
-          <p:cNvSpPr/>
-          <p:nvPr/>
-        </p:nvSpPr>
-        <p:spPr>
-          <a:xfrm rot="16200000" flipH="1">
-            <a:off x="8265461" y="-1117601"/>
-            <a:ext cx="209175" cy="3962403"/>
-          </a:xfrm>
-          <a:prstGeom prst="rect">
-            <a:avLst/>
-          </a:prstGeom>
-          <a:noFill/>
-          <a:ln w="38100">
-            <a:solidFill>
-              <a:srgbClr val="00B0F0"/>
-            </a:solidFill>
-          </a:ln>
-        </p:spPr>
-        <p:style>
-          <a:lnRef idx="2">
-            <a:schemeClr val="accent1"/>
-          </a:lnRef>
-          <a:fillRef idx="1">
-            <a:schemeClr val="lt1"/>
-          </a:fillRef>
-          <a:effectRef idx="0">
-            <a:schemeClr val="accent1"/>
-          </a:effectRef>
-          <a:fontRef idx="minor">
-            <a:schemeClr val="dk1"/>
-          </a:fontRef>
-        </p:style>
-        <p:txBody>
-          <a:bodyPr rtlCol="0" anchor="ctr"/>
-          <a:lstStyle/>
-          <a:p>
-            <a:pPr algn="ctr"/>
-            <a:endParaRPr lang="en-US"/>
-          </a:p>
-        </p:txBody>
-      </p:sp>
-      <p:sp>
-        <p:nvSpPr>
-          <p:cNvPr id="5" name="TextBox 4">
-            <a:extLst>
-              <a:ext uri="{FF2B5EF4-FFF2-40B4-BE49-F238E27FC236}">
-                <a16:creationId xmlns:a16="http://schemas.microsoft.com/office/drawing/2014/main" id="{95781B4D-6CFB-7840-93A6-C8F0D44FEDF4}"/>
-              </a:ext>
-            </a:extLst>
-          </p:cNvPr>
-          <p:cNvSpPr txBox="1"/>
-          <p:nvPr/>
-        </p:nvSpPr>
-        <p:spPr>
-          <a:xfrm>
-            <a:off x="5731574" y="6053666"/>
-            <a:ext cx="5383146" cy="369332"/>
-          </a:xfrm>
-          <a:prstGeom prst="rect">
-            <a:avLst/>
-          </a:prstGeom>
-          <a:noFill/>
-        </p:spPr>
-        <p:txBody>
-          <a:bodyPr wrap="square" rtlCol="0">
-            <a:spAutoFit/>
-          </a:bodyPr>
-          <a:lstStyle/>
-          <a:p>
-            <a:pPr algn="ctr"/>
-            <a:r>
-              <a:rPr lang="en-US" dirty="0"/>
-              <a:t>Heatmap</a:t>
+              <a:t>(Original dataset: 119,390 rows and 32 columns)</a:t>
             </a:r>
           </a:p>
         </p:txBody>
@@ -7963,12 +8641,12 @@
     </p:spTree>
     <p:extLst>
       <p:ext uri="{BB962C8B-B14F-4D97-AF65-F5344CB8AC3E}">
-        <p14:creationId xmlns:p14="http://schemas.microsoft.com/office/powerpoint/2010/main" val="2020630162"/>
+        <p14:creationId xmlns:p14="http://schemas.microsoft.com/office/powerpoint/2010/main" val="3520254427"/>
       </p:ext>
     </p:extLst>
   </p:cSld>
   <p:clrMapOvr>
-    <a:masterClrMapping/>
+    <a:overrideClrMapping bg1="dk1" tx1="lt1" bg2="dk2" tx2="lt2" accent1="accent1" accent2="accent2" accent3="accent3" accent4="accent4" accent5="accent5" accent6="accent6" hlink="hlink" folHlink="folHlink"/>
   </p:clrMapOvr>
 </p:sld>
 </file>
@@ -8002,7 +8680,7 @@
       </p:grpSpPr>
       <p:sp useBgFill="1">
         <p:nvSpPr>
-          <p:cNvPr id="31" name="Rectangle 30">
+          <p:cNvPr id="44" name="Rectangle 43">
             <a:extLst>
               <a:ext uri="{FF2B5EF4-FFF2-40B4-BE49-F238E27FC236}">
                 <a16:creationId xmlns:a16="http://schemas.microsoft.com/office/drawing/2014/main" id="{1660E788-AFA9-4A1B-9991-6AA74632A15B}"/>
@@ -8062,7 +8740,7 @@
       </p:sp>
       <p:sp>
         <p:nvSpPr>
-          <p:cNvPr id="33" name="Rectangle 32">
+          <p:cNvPr id="46" name="Rectangle 45">
             <a:extLst>
               <a:ext uri="{FF2B5EF4-FFF2-40B4-BE49-F238E27FC236}">
                 <a16:creationId xmlns:a16="http://schemas.microsoft.com/office/drawing/2014/main" id="{867D4867-5BA7-4462-B2F6-A23F4A622AA7}"/>
@@ -8085,8 +8763,8 @@
         </p:nvSpPr>
         <p:spPr>
           <a:xfrm>
-            <a:off x="-1" y="0"/>
-            <a:ext cx="7544653" cy="6858000"/>
+            <a:off x="0" y="0"/>
+            <a:ext cx="4654296" cy="6858000"/>
           </a:xfrm>
           <a:prstGeom prst="rect">
             <a:avLst/>
@@ -8126,7 +8804,7 @@
           <p:cNvPr id="2" name="Title 1">
             <a:extLst>
               <a:ext uri="{FF2B5EF4-FFF2-40B4-BE49-F238E27FC236}">
-                <a16:creationId xmlns:a16="http://schemas.microsoft.com/office/drawing/2014/main" id="{5EE79624-08EE-AD47-8136-BCC589973DB9}"/>
+                <a16:creationId xmlns:a16="http://schemas.microsoft.com/office/drawing/2014/main" id="{1D87F557-DCF1-D54B-9E52-DAFD8813B23A}"/>
               </a:ext>
             </a:extLst>
           </p:cNvPr>
@@ -8139,8 +8817,8 @@
         </p:nvSpPr>
         <p:spPr>
           <a:xfrm>
-            <a:off x="643466" y="643467"/>
-            <a:ext cx="6242719" cy="1728044"/>
+            <a:off x="643467" y="643467"/>
+            <a:ext cx="3363974" cy="1728044"/>
           </a:xfrm>
           <a:noFill/>
           <a:ln>
@@ -8150,130 +8828,389 @@
           </a:ln>
         </p:spPr>
         <p:txBody>
-          <a:bodyPr vert="horz" wrap="square" lIns="274320" tIns="182880" rIns="274320" bIns="182880" rtlCol="0" anchorCtr="1">
+          <a:bodyPr wrap="square">
             <a:normAutofit/>
           </a:bodyPr>
           <a:lstStyle/>
           <a:p>
             <a:r>
-              <a:rPr lang="en-US" dirty="0">
+              <a:rPr lang="en-US" sz="2000" dirty="0">
                 <a:solidFill>
                   <a:schemeClr val="bg1"/>
                 </a:solidFill>
               </a:rPr>
-              <a:t>Canceled vs </a:t>
-            </a:r>
-            <a:br>
-              <a:rPr lang="en-US" dirty="0">
+              <a:t>Important factors affecting cancellation and price</a:t>
+            </a:r>
+          </a:p>
+        </p:txBody>
+      </p:sp>
+      <p:sp>
+        <p:nvSpPr>
+          <p:cNvPr id="24" name="Content Placeholder 15">
+            <a:extLst>
+              <a:ext uri="{FF2B5EF4-FFF2-40B4-BE49-F238E27FC236}">
+                <a16:creationId xmlns:a16="http://schemas.microsoft.com/office/drawing/2014/main" id="{6F9C1116-D6E8-4EF0-B1F7-872CF70A2D84}"/>
+              </a:ext>
+            </a:extLst>
+          </p:cNvPr>
+          <p:cNvSpPr>
+            <a:spLocks noGrp="1"/>
+          </p:cNvSpPr>
+          <p:nvPr>
+            <p:ph idx="1"/>
+          </p:nvPr>
+        </p:nvSpPr>
+        <p:spPr>
+          <a:xfrm>
+            <a:off x="643468" y="2638044"/>
+            <a:ext cx="3363974" cy="3415622"/>
+          </a:xfrm>
+        </p:spPr>
+        <p:txBody>
+          <a:bodyPr>
+            <a:normAutofit/>
+          </a:bodyPr>
+          <a:lstStyle/>
+          <a:p>
+            <a:pPr>
+              <a:lnSpc>
+                <a:spcPct val="90000"/>
+              </a:lnSpc>
+              <a:buClr>
+                <a:schemeClr val="bg1"/>
+              </a:buClr>
+              <a:buFont typeface="Wingdings" pitchFamily="2" charset="2"/>
+              <a:buChar char="q"/>
+            </a:pPr>
+            <a:r>
+              <a:rPr lang="en-US" sz="1400">
                 <a:solidFill>
                   <a:schemeClr val="bg1"/>
                 </a:solidFill>
               </a:rPr>
-            </a:br>
-            <a:r>
-              <a:rPr lang="en-US" dirty="0">
+              <a:t>Cancellation</a:t>
+            </a:r>
+          </a:p>
+          <a:p>
+            <a:pPr lvl="1">
+              <a:lnSpc>
+                <a:spcPct val="90000"/>
+              </a:lnSpc>
+              <a:buClr>
+                <a:schemeClr val="bg1"/>
+              </a:buClr>
+            </a:pPr>
+            <a:r>
+              <a:rPr lang="en-US" sz="1400">
                 <a:solidFill>
                   <a:schemeClr val="bg1"/>
                 </a:solidFill>
               </a:rPr>
-              <a:t>Non-canceled</a:t>
-            </a:r>
-          </a:p>
-        </p:txBody>
-      </p:sp>
-      <p:graphicFrame>
-        <p:nvGraphicFramePr>
-          <p:cNvPr id="35" name="Content Placeholder 2">
+              <a:t>Lead_time</a:t>
+            </a:r>
+          </a:p>
+          <a:p>
+            <a:pPr lvl="1">
+              <a:lnSpc>
+                <a:spcPct val="90000"/>
+              </a:lnSpc>
+              <a:buClr>
+                <a:schemeClr val="bg1"/>
+              </a:buClr>
+            </a:pPr>
+            <a:r>
+              <a:rPr lang="en-US" sz="1400">
+                <a:solidFill>
+                  <a:schemeClr val="bg1"/>
+                </a:solidFill>
+              </a:rPr>
+              <a:t>Previous_cancellation</a:t>
+            </a:r>
+          </a:p>
+          <a:p>
+            <a:pPr lvl="1">
+              <a:lnSpc>
+                <a:spcPct val="90000"/>
+              </a:lnSpc>
+              <a:buClr>
+                <a:schemeClr val="bg1"/>
+              </a:buClr>
+            </a:pPr>
+            <a:r>
+              <a:rPr lang="en-US" sz="1400">
+                <a:solidFill>
+                  <a:schemeClr val="bg1"/>
+                </a:solidFill>
+              </a:rPr>
+              <a:t>Days_in_waiting_list</a:t>
+            </a:r>
+          </a:p>
+          <a:p>
+            <a:pPr lvl="1">
+              <a:lnSpc>
+                <a:spcPct val="90000"/>
+              </a:lnSpc>
+              <a:buClr>
+                <a:schemeClr val="bg1"/>
+              </a:buClr>
+            </a:pPr>
+            <a:r>
+              <a:rPr lang="en-US" sz="1400">
+                <a:solidFill>
+                  <a:schemeClr val="bg1"/>
+                </a:solidFill>
+              </a:rPr>
+              <a:t>adr</a:t>
+            </a:r>
+          </a:p>
+          <a:p>
+            <a:pPr>
+              <a:lnSpc>
+                <a:spcPct val="90000"/>
+              </a:lnSpc>
+              <a:buClr>
+                <a:schemeClr val="bg1"/>
+              </a:buClr>
+              <a:buFont typeface="Wingdings" pitchFamily="2" charset="2"/>
+              <a:buChar char="q"/>
+            </a:pPr>
+            <a:r>
+              <a:rPr lang="en-US" sz="1400">
+                <a:solidFill>
+                  <a:schemeClr val="bg1"/>
+                </a:solidFill>
+              </a:rPr>
+              <a:t>Average Daily Rate (ADR)</a:t>
+            </a:r>
+          </a:p>
+          <a:p>
+            <a:pPr lvl="1">
+              <a:lnSpc>
+                <a:spcPct val="90000"/>
+              </a:lnSpc>
+              <a:buClr>
+                <a:schemeClr val="bg1"/>
+              </a:buClr>
+            </a:pPr>
+            <a:r>
+              <a:rPr lang="en-US" sz="1400">
+                <a:solidFill>
+                  <a:schemeClr val="bg1"/>
+                </a:solidFill>
+              </a:rPr>
+              <a:t>Children</a:t>
+            </a:r>
+          </a:p>
+          <a:p>
+            <a:pPr lvl="1">
+              <a:lnSpc>
+                <a:spcPct val="90000"/>
+              </a:lnSpc>
+              <a:buClr>
+                <a:schemeClr val="bg1"/>
+              </a:buClr>
+            </a:pPr>
+            <a:r>
+              <a:rPr lang="en-US" sz="1400">
+                <a:solidFill>
+                  <a:schemeClr val="bg1"/>
+                </a:solidFill>
+              </a:rPr>
+              <a:t>Adults</a:t>
+            </a:r>
+          </a:p>
+          <a:p>
+            <a:pPr lvl="1">
+              <a:lnSpc>
+                <a:spcPct val="90000"/>
+              </a:lnSpc>
+              <a:buClr>
+                <a:schemeClr val="bg1"/>
+              </a:buClr>
+            </a:pPr>
+            <a:r>
+              <a:rPr lang="en-US" sz="1400">
+                <a:solidFill>
+                  <a:schemeClr val="bg1"/>
+                </a:solidFill>
+              </a:rPr>
+              <a:t>Reservation_status_date_year</a:t>
+            </a:r>
+          </a:p>
+          <a:p>
+            <a:pPr lvl="1">
+              <a:lnSpc>
+                <a:spcPct val="90000"/>
+              </a:lnSpc>
+              <a:buClr>
+                <a:schemeClr val="bg1"/>
+              </a:buClr>
+            </a:pPr>
+            <a:r>
+              <a:rPr lang="en-US" sz="1400">
+                <a:solidFill>
+                  <a:schemeClr val="bg1"/>
+                </a:solidFill>
+              </a:rPr>
+              <a:t>Arrival_date_year</a:t>
+            </a:r>
+          </a:p>
+          <a:p>
+            <a:pPr lvl="1">
+              <a:lnSpc>
+                <a:spcPct val="90000"/>
+              </a:lnSpc>
+              <a:buClr>
+                <a:schemeClr val="bg1"/>
+              </a:buClr>
+            </a:pPr>
+            <a:r>
+              <a:rPr lang="en-US" sz="1400">
+                <a:solidFill>
+                  <a:schemeClr val="bg1"/>
+                </a:solidFill>
+              </a:rPr>
+              <a:t>Total_of_special_requests</a:t>
+            </a:r>
+          </a:p>
+        </p:txBody>
+      </p:sp>
+      <p:pic>
+        <p:nvPicPr>
+          <p:cNvPr id="9" name="Picture 8">
             <a:extLst>
               <a:ext uri="{FF2B5EF4-FFF2-40B4-BE49-F238E27FC236}">
-                <a16:creationId xmlns:a16="http://schemas.microsoft.com/office/drawing/2014/main" id="{255A4064-9832-4EC2-9588-CEDF8F621D5C}"/>
+                <a16:creationId xmlns:a16="http://schemas.microsoft.com/office/drawing/2014/main" id="{16679255-18E2-BA49-B222-D5D0B25BBA23}"/>
               </a:ext>
             </a:extLst>
           </p:cNvPr>
-          <p:cNvGraphicFramePr>
-            <a:graphicFrameLocks noGrp="1"/>
-          </p:cNvGraphicFramePr>
-          <p:nvPr>
-            <p:ph idx="1"/>
-            <p:extLst>
-              <p:ext uri="{D42A27DB-BD31-4B8C-83A1-F6EECF244321}">
-                <p14:modId xmlns:p14="http://schemas.microsoft.com/office/powerpoint/2010/main" val="503069967"/>
-              </p:ext>
-            </p:extLst>
-          </p:nvPr>
-        </p:nvGraphicFramePr>
-        <p:xfrm>
-          <a:off x="643467" y="2638044"/>
-          <a:ext cx="6242715" cy="3415622"/>
-        </p:xfrm>
-        <a:graphic>
-          <a:graphicData uri="http://schemas.openxmlformats.org/drawingml/2006/diagram">
-            <dgm:relIds xmlns:dgm="http://schemas.openxmlformats.org/drawingml/2006/diagram" xmlns:r="http://schemas.openxmlformats.org/officeDocument/2006/relationships" r:dm="rId2" r:lo="rId3" r:qs="rId4" r:cs="rId5"/>
-          </a:graphicData>
-        </a:graphic>
-      </p:graphicFrame>
-      <p:pic>
-        <p:nvPicPr>
-          <p:cNvPr id="15" name="Picture 14" descr="Chart, bar chart&#10;&#10;Description automatically generated">
-            <a:extLst>
-              <a:ext uri="{FF2B5EF4-FFF2-40B4-BE49-F238E27FC236}">
-                <a16:creationId xmlns:a16="http://schemas.microsoft.com/office/drawing/2014/main" id="{A044EDD1-F0E8-D24D-B315-CCFA1D3BC534}"/>
-              </a:ext>
-            </a:extLst>
-          </p:cNvPr>
-          <p:cNvPicPr/>
+          <p:cNvPicPr>
+            <a:picLocks noChangeAspect="1"/>
+          </p:cNvPicPr>
           <p:nvPr/>
         </p:nvPicPr>
         <p:blipFill>
-          <a:blip r:embed="rId7"/>
+          <a:blip r:embed="rId3"/>
           <a:stretch>
             <a:fillRect/>
           </a:stretch>
         </p:blipFill>
         <p:spPr>
           <a:xfrm>
-            <a:off x="8473531" y="3385101"/>
-            <a:ext cx="2789588" cy="2537106"/>
+            <a:off x="5724811" y="643467"/>
+            <a:ext cx="5396672" cy="5410199"/>
           </a:xfrm>
           <a:prstGeom prst="rect">
             <a:avLst/>
           </a:prstGeom>
         </p:spPr>
       </p:pic>
-      <p:pic>
-        <p:nvPicPr>
-          <p:cNvPr id="16" name="Picture 15" descr="Chart, bar chart&#10;&#10;Description automatically generated">
+      <p:sp>
+        <p:nvSpPr>
+          <p:cNvPr id="23" name="Rectangle 22">
             <a:extLst>
               <a:ext uri="{FF2B5EF4-FFF2-40B4-BE49-F238E27FC236}">
-                <a16:creationId xmlns:a16="http://schemas.microsoft.com/office/drawing/2014/main" id="{E14B628C-612D-D846-8A2F-554B7843B7F8}"/>
+                <a16:creationId xmlns:a16="http://schemas.microsoft.com/office/drawing/2014/main" id="{1C92EBEC-B32C-3042-9B76-8B5917B160F5}"/>
               </a:ext>
             </a:extLst>
           </p:cNvPr>
-          <p:cNvPicPr/>
+          <p:cNvSpPr/>
           <p:nvPr/>
-        </p:nvPicPr>
-        <p:blipFill>
-          <a:blip r:embed="rId8"/>
-          <a:stretch>
-            <a:fillRect/>
-          </a:stretch>
-        </p:blipFill>
+        </p:nvSpPr>
         <p:spPr>
-          <a:xfrm>
-            <a:off x="8525656" y="572870"/>
-            <a:ext cx="2685339" cy="2463799"/>
+          <a:xfrm rot="16200000" flipH="1">
+            <a:off x="8142495" y="1938358"/>
+            <a:ext cx="178029" cy="4283173"/>
           </a:xfrm>
           <a:prstGeom prst="rect">
             <a:avLst/>
           </a:prstGeom>
+          <a:noFill/>
+          <a:ln w="38100">
+            <a:solidFill>
+              <a:schemeClr val="tx1"/>
+            </a:solidFill>
+          </a:ln>
         </p:spPr>
-      </p:pic>
+        <p:style>
+          <a:lnRef idx="2">
+            <a:schemeClr val="accent1"/>
+          </a:lnRef>
+          <a:fillRef idx="1">
+            <a:schemeClr val="lt1"/>
+          </a:fillRef>
+          <a:effectRef idx="0">
+            <a:schemeClr val="accent1"/>
+          </a:effectRef>
+          <a:fontRef idx="minor">
+            <a:schemeClr val="dk1"/>
+          </a:fontRef>
+        </p:style>
+        <p:txBody>
+          <a:bodyPr rtlCol="0" anchor="ctr"/>
+          <a:lstStyle/>
+          <a:p>
+            <a:pPr algn="ctr"/>
+            <a:endParaRPr lang="en-US"/>
+          </a:p>
+        </p:txBody>
+      </p:sp>
+      <p:sp>
+        <p:nvSpPr>
+          <p:cNvPr id="25" name="Rectangle 24">
+            <a:extLst>
+              <a:ext uri="{FF2B5EF4-FFF2-40B4-BE49-F238E27FC236}">
+                <a16:creationId xmlns:a16="http://schemas.microsoft.com/office/drawing/2014/main" id="{EC751F1B-728B-984E-B64D-655829E50C60}"/>
+              </a:ext>
+            </a:extLst>
+          </p:cNvPr>
+          <p:cNvSpPr/>
+          <p:nvPr/>
+        </p:nvSpPr>
+        <p:spPr>
+          <a:xfrm rot="16200000" flipH="1">
+            <a:off x="8145533" y="-1305067"/>
+            <a:ext cx="178029" cy="4277095"/>
+          </a:xfrm>
+          <a:prstGeom prst="rect">
+            <a:avLst/>
+          </a:prstGeom>
+          <a:noFill/>
+          <a:ln w="38100">
+            <a:solidFill>
+              <a:schemeClr val="tx1"/>
+            </a:solidFill>
+          </a:ln>
+        </p:spPr>
+        <p:style>
+          <a:lnRef idx="2">
+            <a:schemeClr val="accent1"/>
+          </a:lnRef>
+          <a:fillRef idx="1">
+            <a:schemeClr val="lt1"/>
+          </a:fillRef>
+          <a:effectRef idx="0">
+            <a:schemeClr val="accent1"/>
+          </a:effectRef>
+          <a:fontRef idx="minor">
+            <a:schemeClr val="dk1"/>
+          </a:fontRef>
+        </p:style>
+        <p:txBody>
+          <a:bodyPr rtlCol="0" anchor="ctr"/>
+          <a:lstStyle/>
+          <a:p>
+            <a:pPr algn="ctr"/>
+            <a:endParaRPr lang="en-US"/>
+          </a:p>
+        </p:txBody>
+      </p:sp>
       <p:sp>
         <p:nvSpPr>
           <p:cNvPr id="5" name="TextBox 4">
             <a:extLst>
               <a:ext uri="{FF2B5EF4-FFF2-40B4-BE49-F238E27FC236}">
-                <a16:creationId xmlns:a16="http://schemas.microsoft.com/office/drawing/2014/main" id="{B770A13B-8497-2F48-AE1A-8A23CAA4717D}"/>
+                <a16:creationId xmlns:a16="http://schemas.microsoft.com/office/drawing/2014/main" id="{95781B4D-6CFB-7840-93A6-C8F0D44FEDF4}"/>
               </a:ext>
             </a:extLst>
           </p:cNvPr>
@@ -8282,24 +9219,17 @@
         </p:nvSpPr>
         <p:spPr>
           <a:xfrm>
-            <a:off x="8473531" y="5922207"/>
-            <a:ext cx="2789588" cy="262918"/>
+            <a:off x="5724811" y="6029867"/>
+            <a:ext cx="5383146" cy="369332"/>
           </a:xfrm>
           <a:prstGeom prst="rect">
             <a:avLst/>
           </a:prstGeom>
-          <a:solidFill>
-            <a:srgbClr val="000000">
-              <a:alpha val="50000"/>
-            </a:srgbClr>
-          </a:solidFill>
-          <a:ln>
-            <a:noFill/>
-          </a:ln>
+          <a:noFill/>
         </p:spPr>
         <p:txBody>
           <a:bodyPr wrap="square" rtlCol="0">
-            <a:noAutofit/>
+            <a:spAutoFit/>
           </a:bodyPr>
           <a:lstStyle/>
           <a:p>
@@ -8309,63 +9239,8 @@
               </a:spcAft>
             </a:pPr>
             <a:r>
-              <a:rPr lang="en-US" sz="800" dirty="0">
-                <a:solidFill>
-                  <a:srgbClr val="FFFFFF"/>
-                </a:solidFill>
-              </a:rPr>
-              <a:t>Count plot by day of week and cancellation type </a:t>
-            </a:r>
-          </a:p>
-        </p:txBody>
-      </p:sp>
-      <p:sp>
-        <p:nvSpPr>
-          <p:cNvPr id="26" name="TextBox 25">
-            <a:extLst>
-              <a:ext uri="{FF2B5EF4-FFF2-40B4-BE49-F238E27FC236}">
-                <a16:creationId xmlns:a16="http://schemas.microsoft.com/office/drawing/2014/main" id="{96EAB695-AF0E-EF44-836B-382A89C0136B}"/>
-              </a:ext>
-            </a:extLst>
-          </p:cNvPr>
-          <p:cNvSpPr txBox="1"/>
-          <p:nvPr/>
-        </p:nvSpPr>
-        <p:spPr>
-          <a:xfrm>
-            <a:off x="8525656" y="3036669"/>
-            <a:ext cx="2685339" cy="246379"/>
-          </a:xfrm>
-          <a:prstGeom prst="rect">
-            <a:avLst/>
-          </a:prstGeom>
-          <a:solidFill>
-            <a:srgbClr val="000000">
-              <a:alpha val="50000"/>
-            </a:srgbClr>
-          </a:solidFill>
-          <a:ln>
-            <a:noFill/>
-          </a:ln>
-        </p:spPr>
-        <p:txBody>
-          <a:bodyPr wrap="square" rtlCol="0">
-            <a:noAutofit/>
-          </a:bodyPr>
-          <a:lstStyle/>
-          <a:p>
-            <a:pPr algn="ctr">
-              <a:spcAft>
-                <a:spcPts val="600"/>
-              </a:spcAft>
-            </a:pPr>
-            <a:r>
-              <a:rPr lang="en-US" sz="800">
-                <a:solidFill>
-                  <a:srgbClr val="FFFFFF"/>
-                </a:solidFill>
-              </a:rPr>
-              <a:t>Count plot of different cancellation types</a:t>
+              <a:rPr lang="en-US" dirty="0"/>
+              <a:t>Heatmap of correlation coefficients between variables</a:t>
             </a:r>
           </a:p>
         </p:txBody>
@@ -8373,7 +9248,7 @@
     </p:spTree>
     <p:extLst>
       <p:ext uri="{BB962C8B-B14F-4D97-AF65-F5344CB8AC3E}">
-        <p14:creationId xmlns:p14="http://schemas.microsoft.com/office/powerpoint/2010/main" val="302512507"/>
+        <p14:creationId xmlns:p14="http://schemas.microsoft.com/office/powerpoint/2010/main" val="2020630162"/>
       </p:ext>
     </p:extLst>
   </p:cSld>
@@ -8410,6 +9285,416 @@
           <a:chExt cx="0" cy="0"/>
         </a:xfrm>
       </p:grpSpPr>
+      <p:sp useBgFill="1">
+        <p:nvSpPr>
+          <p:cNvPr id="31" name="Rectangle 30">
+            <a:extLst>
+              <a:ext uri="{FF2B5EF4-FFF2-40B4-BE49-F238E27FC236}">
+                <a16:creationId xmlns:a16="http://schemas.microsoft.com/office/drawing/2014/main" id="{1660E788-AFA9-4A1B-9991-6AA74632A15B}"/>
+              </a:ext>
+              <a:ext uri="{C183D7F6-B498-43B3-948B-1728B52AA6E4}">
+                <adec:decorative xmlns:adec="http://schemas.microsoft.com/office/drawing/2017/decorative" val="1"/>
+              </a:ext>
+            </a:extLst>
+          </p:cNvPr>
+          <p:cNvSpPr>
+            <a:spLocks noGrp="1" noRot="1" noChangeAspect="1" noMove="1" noResize="1" noEditPoints="1" noAdjustHandles="1" noChangeArrowheads="1" noChangeShapeType="1" noTextEdit="1"/>
+          </p:cNvSpPr>
+          <p:nvPr>
+            <p:extLst>
+              <p:ext uri="{386F3935-93C4-4BCD-93E2-E3B085C9AB24}">
+                <p16:designElem xmlns:p16="http://schemas.microsoft.com/office/powerpoint/2015/main" val="1"/>
+              </p:ext>
+            </p:extLst>
+          </p:nvPr>
+        </p:nvSpPr>
+        <p:spPr>
+          <a:xfrm>
+            <a:off x="0" y="0"/>
+            <a:ext cx="12191999" cy="6858000"/>
+          </a:xfrm>
+          <a:prstGeom prst="rect">
+            <a:avLst/>
+          </a:prstGeom>
+          <a:ln>
+            <a:noFill/>
+          </a:ln>
+        </p:spPr>
+        <p:style>
+          <a:lnRef idx="2">
+            <a:schemeClr val="accent1">
+              <a:shade val="50000"/>
+            </a:schemeClr>
+          </a:lnRef>
+          <a:fillRef idx="1">
+            <a:schemeClr val="accent1"/>
+          </a:fillRef>
+          <a:effectRef idx="0">
+            <a:schemeClr val="accent1"/>
+          </a:effectRef>
+          <a:fontRef idx="minor">
+            <a:schemeClr val="lt1"/>
+          </a:fontRef>
+        </p:style>
+        <p:txBody>
+          <a:bodyPr rtlCol="0" anchor="ctr"/>
+          <a:lstStyle/>
+          <a:p>
+            <a:pPr algn="ctr"/>
+            <a:endParaRPr lang="en-US"/>
+          </a:p>
+        </p:txBody>
+      </p:sp>
+      <p:sp>
+        <p:nvSpPr>
+          <p:cNvPr id="33" name="Rectangle 32">
+            <a:extLst>
+              <a:ext uri="{FF2B5EF4-FFF2-40B4-BE49-F238E27FC236}">
+                <a16:creationId xmlns:a16="http://schemas.microsoft.com/office/drawing/2014/main" id="{867D4867-5BA7-4462-B2F6-A23F4A622AA7}"/>
+              </a:ext>
+              <a:ext uri="{C183D7F6-B498-43B3-948B-1728B52AA6E4}">
+                <adec:decorative xmlns:adec="http://schemas.microsoft.com/office/drawing/2017/decorative" val="1"/>
+              </a:ext>
+            </a:extLst>
+          </p:cNvPr>
+          <p:cNvSpPr>
+            <a:spLocks noGrp="1" noRot="1" noChangeAspect="1" noMove="1" noResize="1" noEditPoints="1" noAdjustHandles="1" noChangeArrowheads="1" noChangeShapeType="1" noTextEdit="1"/>
+          </p:cNvSpPr>
+          <p:nvPr>
+            <p:extLst>
+              <p:ext uri="{386F3935-93C4-4BCD-93E2-E3B085C9AB24}">
+                <p16:designElem xmlns:p16="http://schemas.microsoft.com/office/powerpoint/2015/main" val="1"/>
+              </p:ext>
+            </p:extLst>
+          </p:nvPr>
+        </p:nvSpPr>
+        <p:spPr>
+          <a:xfrm>
+            <a:off x="-1" y="0"/>
+            <a:ext cx="7544653" cy="6858000"/>
+          </a:xfrm>
+          <a:prstGeom prst="rect">
+            <a:avLst/>
+          </a:prstGeom>
+          <a:solidFill>
+            <a:schemeClr val="tx2"/>
+          </a:solidFill>
+          <a:ln>
+            <a:noFill/>
+          </a:ln>
+        </p:spPr>
+        <p:style>
+          <a:lnRef idx="0">
+            <a:scrgbClr r="0" g="0" b="0"/>
+          </a:lnRef>
+          <a:fillRef idx="0">
+            <a:scrgbClr r="0" g="0" b="0"/>
+          </a:fillRef>
+          <a:effectRef idx="0">
+            <a:scrgbClr r="0" g="0" b="0"/>
+          </a:effectRef>
+          <a:fontRef idx="minor">
+            <a:schemeClr val="lt1"/>
+          </a:fontRef>
+        </p:style>
+        <p:txBody>
+          <a:bodyPr rtlCol="0" anchor="ctr"/>
+          <a:lstStyle/>
+          <a:p>
+            <a:pPr algn="ctr"/>
+            <a:endParaRPr lang="en-US"/>
+          </a:p>
+        </p:txBody>
+      </p:sp>
+      <p:sp>
+        <p:nvSpPr>
+          <p:cNvPr id="2" name="Title 1">
+            <a:extLst>
+              <a:ext uri="{FF2B5EF4-FFF2-40B4-BE49-F238E27FC236}">
+                <a16:creationId xmlns:a16="http://schemas.microsoft.com/office/drawing/2014/main" id="{5EE79624-08EE-AD47-8136-BCC589973DB9}"/>
+              </a:ext>
+            </a:extLst>
+          </p:cNvPr>
+          <p:cNvSpPr>
+            <a:spLocks noGrp="1"/>
+          </p:cNvSpPr>
+          <p:nvPr>
+            <p:ph type="title"/>
+          </p:nvPr>
+        </p:nvSpPr>
+        <p:spPr>
+          <a:xfrm>
+            <a:off x="643466" y="643467"/>
+            <a:ext cx="6242719" cy="1728044"/>
+          </a:xfrm>
+          <a:noFill/>
+          <a:ln>
+            <a:solidFill>
+              <a:schemeClr val="bg1"/>
+            </a:solidFill>
+          </a:ln>
+        </p:spPr>
+        <p:txBody>
+          <a:bodyPr vert="horz" wrap="square" lIns="274320" tIns="182880" rIns="274320" bIns="182880" rtlCol="0" anchorCtr="1">
+            <a:normAutofit/>
+          </a:bodyPr>
+          <a:lstStyle/>
+          <a:p>
+            <a:r>
+              <a:rPr lang="en-US" dirty="0">
+                <a:solidFill>
+                  <a:schemeClr val="bg1"/>
+                </a:solidFill>
+              </a:rPr>
+              <a:t>Canceled vs </a:t>
+            </a:r>
+            <a:br>
+              <a:rPr lang="en-US" dirty="0">
+                <a:solidFill>
+                  <a:schemeClr val="bg1"/>
+                </a:solidFill>
+              </a:rPr>
+            </a:br>
+            <a:r>
+              <a:rPr lang="en-US" dirty="0">
+                <a:solidFill>
+                  <a:schemeClr val="bg1"/>
+                </a:solidFill>
+              </a:rPr>
+              <a:t>Non-canceled</a:t>
+            </a:r>
+          </a:p>
+        </p:txBody>
+      </p:sp>
+      <p:graphicFrame>
+        <p:nvGraphicFramePr>
+          <p:cNvPr id="35" name="Content Placeholder 2">
+            <a:extLst>
+              <a:ext uri="{FF2B5EF4-FFF2-40B4-BE49-F238E27FC236}">
+                <a16:creationId xmlns:a16="http://schemas.microsoft.com/office/drawing/2014/main" id="{255A4064-9832-4EC2-9588-CEDF8F621D5C}"/>
+              </a:ext>
+            </a:extLst>
+          </p:cNvPr>
+          <p:cNvGraphicFramePr>
+            <a:graphicFrameLocks noGrp="1"/>
+          </p:cNvGraphicFramePr>
+          <p:nvPr>
+            <p:ph idx="1"/>
+            <p:extLst>
+              <p:ext uri="{D42A27DB-BD31-4B8C-83A1-F6EECF244321}">
+                <p14:modId xmlns:p14="http://schemas.microsoft.com/office/powerpoint/2010/main" val="503069967"/>
+              </p:ext>
+            </p:extLst>
+          </p:nvPr>
+        </p:nvGraphicFramePr>
+        <p:xfrm>
+          <a:off x="643467" y="2638044"/>
+          <a:ext cx="6242715" cy="3415622"/>
+        </p:xfrm>
+        <a:graphic>
+          <a:graphicData uri="http://schemas.openxmlformats.org/drawingml/2006/diagram">
+            <dgm:relIds xmlns:dgm="http://schemas.openxmlformats.org/drawingml/2006/diagram" xmlns:r="http://schemas.openxmlformats.org/officeDocument/2006/relationships" r:dm="rId3" r:lo="rId4" r:qs="rId5" r:cs="rId6"/>
+          </a:graphicData>
+        </a:graphic>
+      </p:graphicFrame>
+      <p:pic>
+        <p:nvPicPr>
+          <p:cNvPr id="15" name="Picture 14" descr="Chart, bar chart&#10;&#10;Description automatically generated">
+            <a:extLst>
+              <a:ext uri="{FF2B5EF4-FFF2-40B4-BE49-F238E27FC236}">
+                <a16:creationId xmlns:a16="http://schemas.microsoft.com/office/drawing/2014/main" id="{A044EDD1-F0E8-D24D-B315-CCFA1D3BC534}"/>
+              </a:ext>
+            </a:extLst>
+          </p:cNvPr>
+          <p:cNvPicPr/>
+          <p:nvPr/>
+        </p:nvPicPr>
+        <p:blipFill>
+          <a:blip r:embed="rId8"/>
+          <a:stretch>
+            <a:fillRect/>
+          </a:stretch>
+        </p:blipFill>
+        <p:spPr>
+          <a:xfrm>
+            <a:off x="8473531" y="3385101"/>
+            <a:ext cx="2789588" cy="2537106"/>
+          </a:xfrm>
+          <a:prstGeom prst="rect">
+            <a:avLst/>
+          </a:prstGeom>
+        </p:spPr>
+      </p:pic>
+      <p:pic>
+        <p:nvPicPr>
+          <p:cNvPr id="16" name="Picture 15" descr="Chart, bar chart&#10;&#10;Description automatically generated">
+            <a:extLst>
+              <a:ext uri="{FF2B5EF4-FFF2-40B4-BE49-F238E27FC236}">
+                <a16:creationId xmlns:a16="http://schemas.microsoft.com/office/drawing/2014/main" id="{E14B628C-612D-D846-8A2F-554B7843B7F8}"/>
+              </a:ext>
+            </a:extLst>
+          </p:cNvPr>
+          <p:cNvPicPr/>
+          <p:nvPr/>
+        </p:nvPicPr>
+        <p:blipFill>
+          <a:blip r:embed="rId9"/>
+          <a:stretch>
+            <a:fillRect/>
+          </a:stretch>
+        </p:blipFill>
+        <p:spPr>
+          <a:xfrm>
+            <a:off x="8525656" y="572870"/>
+            <a:ext cx="2685339" cy="2463799"/>
+          </a:xfrm>
+          <a:prstGeom prst="rect">
+            <a:avLst/>
+          </a:prstGeom>
+        </p:spPr>
+      </p:pic>
+      <p:sp>
+        <p:nvSpPr>
+          <p:cNvPr id="5" name="TextBox 4">
+            <a:extLst>
+              <a:ext uri="{FF2B5EF4-FFF2-40B4-BE49-F238E27FC236}">
+                <a16:creationId xmlns:a16="http://schemas.microsoft.com/office/drawing/2014/main" id="{B770A13B-8497-2F48-AE1A-8A23CAA4717D}"/>
+              </a:ext>
+            </a:extLst>
+          </p:cNvPr>
+          <p:cNvSpPr txBox="1"/>
+          <p:nvPr/>
+        </p:nvSpPr>
+        <p:spPr>
+          <a:xfrm>
+            <a:off x="8473531" y="5922207"/>
+            <a:ext cx="2789588" cy="262918"/>
+          </a:xfrm>
+          <a:prstGeom prst="rect">
+            <a:avLst/>
+          </a:prstGeom>
+          <a:solidFill>
+            <a:srgbClr val="000000">
+              <a:alpha val="50000"/>
+            </a:srgbClr>
+          </a:solidFill>
+          <a:ln>
+            <a:noFill/>
+          </a:ln>
+        </p:spPr>
+        <p:txBody>
+          <a:bodyPr wrap="square" rtlCol="0">
+            <a:noAutofit/>
+          </a:bodyPr>
+          <a:lstStyle/>
+          <a:p>
+            <a:pPr algn="ctr">
+              <a:spcAft>
+                <a:spcPts val="600"/>
+              </a:spcAft>
+            </a:pPr>
+            <a:r>
+              <a:rPr lang="en-US" sz="800" dirty="0">
+                <a:solidFill>
+                  <a:srgbClr val="FFFFFF"/>
+                </a:solidFill>
+              </a:rPr>
+              <a:t>Count plot by day of week and cancellation type </a:t>
+            </a:r>
+          </a:p>
+        </p:txBody>
+      </p:sp>
+      <p:sp>
+        <p:nvSpPr>
+          <p:cNvPr id="26" name="TextBox 25">
+            <a:extLst>
+              <a:ext uri="{FF2B5EF4-FFF2-40B4-BE49-F238E27FC236}">
+                <a16:creationId xmlns:a16="http://schemas.microsoft.com/office/drawing/2014/main" id="{96EAB695-AF0E-EF44-836B-382A89C0136B}"/>
+              </a:ext>
+            </a:extLst>
+          </p:cNvPr>
+          <p:cNvSpPr txBox="1"/>
+          <p:nvPr/>
+        </p:nvSpPr>
+        <p:spPr>
+          <a:xfrm>
+            <a:off x="8525656" y="3036669"/>
+            <a:ext cx="2685339" cy="246379"/>
+          </a:xfrm>
+          <a:prstGeom prst="rect">
+            <a:avLst/>
+          </a:prstGeom>
+          <a:solidFill>
+            <a:srgbClr val="000000">
+              <a:alpha val="50000"/>
+            </a:srgbClr>
+          </a:solidFill>
+          <a:ln>
+            <a:noFill/>
+          </a:ln>
+        </p:spPr>
+        <p:txBody>
+          <a:bodyPr wrap="square" rtlCol="0">
+            <a:noAutofit/>
+          </a:bodyPr>
+          <a:lstStyle/>
+          <a:p>
+            <a:pPr algn="ctr">
+              <a:spcAft>
+                <a:spcPts val="600"/>
+              </a:spcAft>
+            </a:pPr>
+            <a:r>
+              <a:rPr lang="en-US" sz="800">
+                <a:solidFill>
+                  <a:srgbClr val="FFFFFF"/>
+                </a:solidFill>
+              </a:rPr>
+              <a:t>Count plot of different cancellation types</a:t>
+            </a:r>
+          </a:p>
+        </p:txBody>
+      </p:sp>
+    </p:spTree>
+    <p:extLst>
+      <p:ext uri="{BB962C8B-B14F-4D97-AF65-F5344CB8AC3E}">
+        <p14:creationId xmlns:p14="http://schemas.microsoft.com/office/powerpoint/2010/main" val="302512507"/>
+      </p:ext>
+    </p:extLst>
+  </p:cSld>
+  <p:clrMapOvr>
+    <a:masterClrMapping/>
+  </p:clrMapOvr>
+</p:sld>
+</file>
+
+<file path=ppt/slides/slide6.xml><?xml version="1.0" encoding="utf-8"?>
+<p:sld xmlns:a="http://schemas.openxmlformats.org/drawingml/2006/main" xmlns:r="http://schemas.openxmlformats.org/officeDocument/2006/relationships" xmlns:p="http://schemas.openxmlformats.org/presentationml/2006/main">
+  <p:cSld>
+    <p:bg>
+      <p:bgPr>
+        <a:solidFill>
+          <a:schemeClr val="bg1">
+            <a:lumMod val="95000"/>
+          </a:schemeClr>
+        </a:solidFill>
+        <a:effectLst/>
+      </p:bgPr>
+    </p:bg>
+    <p:spTree>
+      <p:nvGrpSpPr>
+        <p:cNvPr id="1" name=""/>
+        <p:cNvGrpSpPr/>
+        <p:nvPr/>
+      </p:nvGrpSpPr>
+      <p:grpSpPr>
+        <a:xfrm>
+          <a:off x="0" y="0"/>
+          <a:ext cx="0" cy="0"/>
+          <a:chOff x="0" y="0"/>
+          <a:chExt cx="0" cy="0"/>
+        </a:xfrm>
+      </p:grpSpPr>
       <p:sp>
         <p:nvSpPr>
           <p:cNvPr id="11" name="Rectangle 10">
@@ -8491,7 +9776,7 @@
         </p:nvSpPr>
         <p:spPr>
           <a:xfrm>
-            <a:off x="780941" y="992078"/>
+            <a:off x="780941" y="782010"/>
             <a:ext cx="5291327" cy="1188720"/>
           </a:xfrm>
           <a:solidFill>
@@ -8538,7 +9823,7 @@
         </p:nvSpPr>
         <p:spPr>
           <a:xfrm>
-            <a:off x="786477" y="2581303"/>
+            <a:off x="786477" y="2457735"/>
             <a:ext cx="5285791" cy="3042547"/>
           </a:xfrm>
         </p:spPr>
@@ -8557,12 +9842,12 @@
               </a:buClr>
             </a:pPr>
             <a:r>
-              <a:rPr lang="en-US" sz="1500" dirty="0">
+              <a:rPr lang="en-US" dirty="0">
                 <a:solidFill>
                   <a:srgbClr val="FFFFFF"/>
                 </a:solidFill>
               </a:rPr>
-              <a:t>Null hypothesis: The average daily rate price (ADR) booked by who has cancelled the reservation has the same rate as people who is not cancelled. </a:t>
+              <a:t>Null hypothesis:  The average daily rate price (ADR) booked by who has cancelled the reservation has the same rate as people who is not cancelled. </a:t>
             </a:r>
           </a:p>
           <a:p>
@@ -8575,12 +9860,12 @@
               </a:buClr>
             </a:pPr>
             <a:r>
-              <a:rPr lang="en-US" sz="1500" dirty="0">
+              <a:rPr lang="en-US" dirty="0">
                 <a:solidFill>
                   <a:srgbClr val="FFFFFF"/>
                 </a:solidFill>
               </a:rPr>
-              <a:t>Alternative hypothesis: The average daily rate price (ADR) booked by who has cancelled the reservation does NOT have the same rate as people who is not cancelled.</a:t>
+              <a:t>Alternative hypothesis:  The average daily rate price (ADR) booked by who has cancelled the reservation does NOT have the same rate as people who is not cancelled.</a:t>
             </a:r>
           </a:p>
           <a:p>
@@ -8593,7 +9878,7 @@
               </a:buClr>
             </a:pPr>
             <a:r>
-              <a:rPr lang="en-US" sz="1500" dirty="0">
+              <a:rPr lang="en-US" dirty="0">
                 <a:solidFill>
                   <a:srgbClr val="FFFFFF"/>
                 </a:solidFill>
@@ -8611,7 +9896,7 @@
               </a:buClr>
             </a:pPr>
             <a:r>
-              <a:rPr lang="en-US" sz="1300" dirty="0">
+              <a:rPr lang="en-US" sz="1800" dirty="0">
                 <a:solidFill>
                   <a:srgbClr val="FFFFFF"/>
                 </a:solidFill>
@@ -8629,7 +9914,7 @@
               </a:buClr>
             </a:pPr>
             <a:r>
-              <a:rPr lang="en-US" sz="1300" dirty="0">
+              <a:rPr lang="en-US" sz="1800" dirty="0">
                 <a:solidFill>
                   <a:srgbClr val="FFFFFF"/>
                 </a:solidFill>
@@ -8647,12 +9932,12 @@
               </a:buClr>
             </a:pPr>
             <a:r>
-              <a:rPr lang="en-US" sz="1500" dirty="0">
+              <a:rPr lang="en-US" dirty="0">
                 <a:solidFill>
                   <a:srgbClr val="FFFFFF"/>
                 </a:solidFill>
               </a:rPr>
-              <a:t>Result: p-value &lt; 0.05 </a:t>
+              <a:t>Results : p-value &lt; 0.05 </a:t>
             </a:r>
           </a:p>
           <a:p>
@@ -8665,7 +9950,7 @@
               </a:buClr>
             </a:pPr>
             <a:r>
-              <a:rPr lang="en-US" sz="1500" dirty="0">
+              <a:rPr lang="en-US" sz="1800" dirty="0">
                 <a:solidFill>
                   <a:srgbClr val="FFFFFF"/>
                 </a:solidFill>
@@ -8674,15 +9959,16 @@
             </a:r>
           </a:p>
           <a:p>
-            <a:pPr>
+            <a:pPr marL="0" indent="0" algn="ctr">
               <a:lnSpc>
                 <a:spcPct val="90000"/>
               </a:lnSpc>
               <a:buClr>
                 <a:schemeClr val="bg1"/>
               </a:buClr>
+              <a:buNone/>
             </a:pPr>
-            <a:endParaRPr lang="en-US" sz="1700" b="1" dirty="0">
+            <a:endParaRPr lang="en-US" sz="2400" dirty="0">
               <a:solidFill>
                 <a:srgbClr val="FFFFFF"/>
               </a:solidFill>
@@ -8756,7 +10042,7 @@
         <p:spPr>
           <a:xfrm>
             <a:off x="6876939" y="0"/>
-            <a:ext cx="5315061" cy="3429002"/>
+            <a:ext cx="5315061" cy="3428999"/>
           </a:xfrm>
           <a:prstGeom prst="rect">
             <a:avLst/>
@@ -8803,7 +10089,7 @@
 </p:sld>
 </file>
 
-<file path=ppt/slides/slide6.xml><?xml version="1.0" encoding="utf-8"?>
+<file path=ppt/slides/slide7.xml><?xml version="1.0" encoding="utf-8"?>
 <p:sld xmlns:a="http://schemas.openxmlformats.org/drawingml/2006/main" xmlns:r="http://schemas.openxmlformats.org/officeDocument/2006/relationships" xmlns:p="http://schemas.openxmlformats.org/presentationml/2006/main">
   <p:cSld>
     <p:bg>
@@ -9152,7 +10438,7 @@
 </p:sld>
 </file>
 
-<file path=ppt/slides/slide7.xml><?xml version="1.0" encoding="utf-8"?>
+<file path=ppt/slides/slide8.xml><?xml version="1.0" encoding="utf-8"?>
 <p:sld xmlns:a="http://schemas.openxmlformats.org/drawingml/2006/main" xmlns:r="http://schemas.openxmlformats.org/officeDocument/2006/relationships" xmlns:p="http://schemas.openxmlformats.org/presentationml/2006/main">
   <p:cSld>
     <p:bg>
@@ -9208,18 +10494,15 @@
           <a:lstStyle/>
           <a:p>
             <a:r>
-              <a:rPr lang="en-US" sz="2000" dirty="0" err="1"/>
-              <a:t>BesT</a:t>
-            </a:r>
-            <a:r>
-              <a:rPr lang="en-US" sz="2000" dirty="0"/>
-              <a:t> Hotel Cancellation Model</a:t>
-            </a:r>
-          </a:p>
-        </p:txBody>
-      </p:sp>
-      <mc:AlternateContent xmlns:mc="http://schemas.openxmlformats.org/markup-compatibility/2006">
-        <mc:Choice xmlns:a14="http://schemas.microsoft.com/office/drawing/2010/main" Requires="a14">
+              <a:rPr lang="en-US" sz="2000"/>
+              <a:t>Best Hotel Cancellation Model</a:t>
+            </a:r>
+            <a:endParaRPr lang="en-US" sz="2000" dirty="0"/>
+          </a:p>
+        </p:txBody>
+      </p:sp>
+      <mc:AlternateContent xmlns:mc="http://schemas.openxmlformats.org/markup-compatibility/2006" xmlns:a14="http://schemas.microsoft.com/office/drawing/2010/main">
+        <mc:Choice Requires="a14">
           <p:sp>
             <p:nvSpPr>
               <p:cNvPr id="3" name="Content Placeholder 2">
@@ -9238,8 +10521,8 @@
             </p:nvSpPr>
             <p:spPr>
               <a:xfrm>
-                <a:off x="803244" y="2638044"/>
-                <a:ext cx="3063765" cy="3263206"/>
+                <a:off x="803244" y="2334763"/>
+                <a:ext cx="3063765" cy="3566487"/>
               </a:xfrm>
             </p:spPr>
             <p:txBody>
@@ -9303,6 +10586,17 @@
                 <a:pPr lvl="1"/>
                 <a:r>
                   <a:rPr lang="en-US" dirty="0" err="1"/>
+                  <a:t>Deposit_type_Non</a:t>
+                </a:r>
+                <a:r>
+                  <a:rPr lang="en-US" dirty="0"/>
+                  <a:t> Refund</a:t>
+                </a:r>
+              </a:p>
+              <a:p>
+                <a:pPr lvl="1"/>
+                <a:r>
+                  <a:rPr lang="en-US" dirty="0" err="1"/>
                   <a:t>Arrival_date_week_number</a:t>
                 </a:r>
                 <a:endParaRPr lang="en-US" dirty="0"/>
@@ -9330,7 +10624,7 @@
                 </a:pPr>
                 <a:r>
                   <a:rPr lang="en-US" dirty="0"/>
-                  <a:t>    </a:t>
+                  <a:t>        </a:t>
                 </a:r>
                 <a14:m>
                   <m:oMath xmlns:m="http://schemas.openxmlformats.org/officeDocument/2006/math">
@@ -9416,7 +10710,7 @@
             </p:txBody>
           </p:sp>
         </mc:Choice>
-        <mc:Fallback>
+        <mc:Fallback xmlns="">
           <p:sp>
             <p:nvSpPr>
               <p:cNvPr id="3" name="Content Placeholder 2">
@@ -9435,13 +10729,13 @@
             </p:nvSpPr>
             <p:spPr>
               <a:xfrm>
-                <a:off x="803244" y="2638044"/>
-                <a:ext cx="3063765" cy="3263206"/>
+                <a:off x="803244" y="2334763"/>
+                <a:ext cx="3063765" cy="3566487"/>
               </a:xfrm>
               <a:blipFill>
                 <a:blip r:embed="rId2"/>
                 <a:stretch>
-                  <a:fillRect l="-826" t="-1550"/>
+                  <a:fillRect l="-826" t="-1418"/>
                 </a:stretch>
               </a:blipFill>
             </p:spPr>
@@ -9681,9 +10975,19 @@
 </p:sld>
 </file>
 
-<file path=ppt/slides/slide8.xml><?xml version="1.0" encoding="utf-8"?>
+<file path=ppt/slides/slide9.xml><?xml version="1.0" encoding="utf-8"?>
 <p:sld xmlns:a="http://schemas.openxmlformats.org/drawingml/2006/main" xmlns:r="http://schemas.openxmlformats.org/officeDocument/2006/relationships" xmlns:p="http://schemas.openxmlformats.org/presentationml/2006/main">
   <p:cSld>
+    <p:bg>
+      <p:bgPr>
+        <a:solidFill>
+          <a:schemeClr val="bg1">
+            <a:lumMod val="95000"/>
+          </a:schemeClr>
+        </a:solidFill>
+        <a:effectLst/>
+      </p:bgPr>
+    </p:bg>
     <p:spTree>
       <p:nvGrpSpPr>
         <p:cNvPr id="1" name=""/>
@@ -9703,7 +11007,7 @@
           <p:cNvPr id="2" name="Title 1">
             <a:extLst>
               <a:ext uri="{FF2B5EF4-FFF2-40B4-BE49-F238E27FC236}">
-                <a16:creationId xmlns:a16="http://schemas.microsoft.com/office/drawing/2014/main" id="{ACF0C572-97A5-3B4A-A051-603800323B51}"/>
+                <a16:creationId xmlns:a16="http://schemas.microsoft.com/office/drawing/2014/main" id="{9E51AF5F-8DB0-5F45-B253-0D638F7EC10A}"/>
               </a:ext>
             </a:extLst>
           </p:cNvPr>
@@ -9714,24 +11018,467 @@
             <p:ph type="title"/>
           </p:nvPr>
         </p:nvSpPr>
-        <p:spPr/>
-        <p:txBody>
-          <a:bodyPr/>
+        <p:spPr>
+          <a:xfrm>
+            <a:off x="6438122" y="1307592"/>
+            <a:ext cx="4793758" cy="1188720"/>
+          </a:xfrm>
+        </p:spPr>
+        <p:txBody>
+          <a:bodyPr>
+            <a:normAutofit/>
+          </a:bodyPr>
           <a:lstStyle/>
           <a:p>
             <a:r>
-              <a:rPr lang="en-US" dirty="0"/>
-              <a:t>Best Hotel Price Model</a:t>
-            </a:r>
-          </a:p>
-        </p:txBody>
-      </p:sp>
+              <a:rPr lang="en-US" sz="2000"/>
+              <a:t>Comparative studies on cancellation predictive models</a:t>
+            </a:r>
+            <a:endParaRPr lang="en-US" sz="2000" dirty="0"/>
+          </a:p>
+        </p:txBody>
+      </p:sp>
+      <p:sp>
+        <p:nvSpPr>
+          <p:cNvPr id="29" name="Rectangle 28">
+            <a:extLst>
+              <a:ext uri="{FF2B5EF4-FFF2-40B4-BE49-F238E27FC236}">
+                <a16:creationId xmlns:a16="http://schemas.microsoft.com/office/drawing/2014/main" id="{65B34324-8F10-4614-BFE4-2E3C7F3E174D}"/>
+              </a:ext>
+              <a:ext uri="{C183D7F6-B498-43B3-948B-1728B52AA6E4}">
+                <adec:decorative xmlns:adec="http://schemas.microsoft.com/office/drawing/2017/decorative" val="1"/>
+              </a:ext>
+            </a:extLst>
+          </p:cNvPr>
+          <p:cNvSpPr>
+            <a:spLocks noGrp="1" noRot="1" noChangeAspect="1" noMove="1" noResize="1" noEditPoints="1" noAdjustHandles="1" noChangeArrowheads="1" noChangeShapeType="1" noTextEdit="1"/>
+          </p:cNvSpPr>
+          <p:nvPr>
+            <p:extLst>
+              <p:ext uri="{386F3935-93C4-4BCD-93E2-E3B085C9AB24}">
+                <p16:designElem xmlns:p16="http://schemas.microsoft.com/office/powerpoint/2015/main" val="1"/>
+              </p:ext>
+            </p:extLst>
+          </p:nvPr>
+        </p:nvSpPr>
+        <p:spPr>
+          <a:xfrm>
+            <a:off x="0" y="0"/>
+            <a:ext cx="6096000" cy="6858000"/>
+          </a:xfrm>
+          <a:prstGeom prst="rect">
+            <a:avLst/>
+          </a:prstGeom>
+          <a:solidFill>
+            <a:schemeClr val="accent2"/>
+          </a:solidFill>
+          <a:ln>
+            <a:noFill/>
+          </a:ln>
+        </p:spPr>
+        <p:style>
+          <a:lnRef idx="2">
+            <a:schemeClr val="accent1">
+              <a:shade val="50000"/>
+            </a:schemeClr>
+          </a:lnRef>
+          <a:fillRef idx="1">
+            <a:schemeClr val="accent1"/>
+          </a:fillRef>
+          <a:effectRef idx="0">
+            <a:schemeClr val="accent1"/>
+          </a:effectRef>
+          <a:fontRef idx="minor">
+            <a:schemeClr val="lt1"/>
+          </a:fontRef>
+        </p:style>
+        <p:txBody>
+          <a:bodyPr rtlCol="0" anchor="ctr"/>
+          <a:lstStyle/>
+          <a:p>
+            <a:pPr algn="ctr"/>
+            <a:endParaRPr lang="en-US"/>
+          </a:p>
+        </p:txBody>
+      </p:sp>
+      <p:sp>
+        <p:nvSpPr>
+          <p:cNvPr id="31" name="Rectangle 30">
+            <a:extLst>
+              <a:ext uri="{FF2B5EF4-FFF2-40B4-BE49-F238E27FC236}">
+                <a16:creationId xmlns:a16="http://schemas.microsoft.com/office/drawing/2014/main" id="{23E952EC-AFF6-4197-9272-C0D7C0F5697D}"/>
+              </a:ext>
+              <a:ext uri="{C183D7F6-B498-43B3-948B-1728B52AA6E4}">
+                <adec:decorative xmlns:adec="http://schemas.microsoft.com/office/drawing/2017/decorative" val="1"/>
+              </a:ext>
+            </a:extLst>
+          </p:cNvPr>
+          <p:cNvSpPr>
+            <a:spLocks noGrp="1" noRot="1" noChangeAspect="1" noMove="1" noResize="1" noEditPoints="1" noAdjustHandles="1" noChangeArrowheads="1" noChangeShapeType="1" noTextEdit="1"/>
+          </p:cNvSpPr>
+          <p:nvPr>
+            <p:extLst>
+              <p:ext uri="{386F3935-93C4-4BCD-93E2-E3B085C9AB24}">
+                <p16:designElem xmlns:p16="http://schemas.microsoft.com/office/powerpoint/2015/main" val="1"/>
+              </p:ext>
+            </p:extLst>
+          </p:nvPr>
+        </p:nvSpPr>
+        <p:spPr>
+          <a:xfrm>
+            <a:off x="303313" y="321731"/>
+            <a:ext cx="3208079" cy="3674849"/>
+          </a:xfrm>
+          <a:prstGeom prst="rect">
+            <a:avLst/>
+          </a:prstGeom>
+          <a:solidFill>
+            <a:srgbClr val="FFFFFF"/>
+          </a:solidFill>
+          <a:ln>
+            <a:noFill/>
+          </a:ln>
+        </p:spPr>
+        <p:style>
+          <a:lnRef idx="2">
+            <a:schemeClr val="accent1">
+              <a:shade val="50000"/>
+            </a:schemeClr>
+          </a:lnRef>
+          <a:fillRef idx="1">
+            <a:schemeClr val="accent1"/>
+          </a:fillRef>
+          <a:effectRef idx="0">
+            <a:schemeClr val="accent1"/>
+          </a:effectRef>
+          <a:fontRef idx="minor">
+            <a:schemeClr val="lt1"/>
+          </a:fontRef>
+        </p:style>
+        <p:txBody>
+          <a:bodyPr rtlCol="0" anchor="ctr"/>
+          <a:lstStyle/>
+          <a:p>
+            <a:pPr algn="ctr"/>
+            <a:endParaRPr lang="en-US"/>
+          </a:p>
+        </p:txBody>
+      </p:sp>
+      <p:pic>
+        <p:nvPicPr>
+          <p:cNvPr id="6" name="Picture 5">
+            <a:extLst>
+              <a:ext uri="{FF2B5EF4-FFF2-40B4-BE49-F238E27FC236}">
+                <a16:creationId xmlns:a16="http://schemas.microsoft.com/office/drawing/2014/main" id="{D8B25484-22BA-AB4B-B6F0-F674421B52D1}"/>
+              </a:ext>
+            </a:extLst>
+          </p:cNvPr>
+          <p:cNvPicPr>
+            <a:picLocks noChangeAspect="1"/>
+          </p:cNvPicPr>
+          <p:nvPr/>
+        </p:nvPicPr>
+        <p:blipFill>
+          <a:blip r:embed="rId3"/>
+          <a:stretch>
+            <a:fillRect/>
+          </a:stretch>
+        </p:blipFill>
+        <p:spPr>
+          <a:xfrm>
+            <a:off x="467172" y="1104223"/>
+            <a:ext cx="2880360" cy="2109863"/>
+          </a:xfrm>
+          <a:prstGeom prst="rect">
+            <a:avLst/>
+          </a:prstGeom>
+        </p:spPr>
+      </p:pic>
+      <p:sp>
+        <p:nvSpPr>
+          <p:cNvPr id="33" name="Rectangle 32">
+            <a:extLst>
+              <a:ext uri="{FF2B5EF4-FFF2-40B4-BE49-F238E27FC236}">
+                <a16:creationId xmlns:a16="http://schemas.microsoft.com/office/drawing/2014/main" id="{D09AAB66-CD8D-477A-A21A-2105E6D82B84}"/>
+              </a:ext>
+              <a:ext uri="{C183D7F6-B498-43B3-948B-1728B52AA6E4}">
+                <adec:decorative xmlns:adec="http://schemas.microsoft.com/office/drawing/2017/decorative" val="1"/>
+              </a:ext>
+            </a:extLst>
+          </p:cNvPr>
+          <p:cNvSpPr>
+            <a:spLocks noGrp="1" noRot="1" noChangeAspect="1" noMove="1" noResize="1" noEditPoints="1" noAdjustHandles="1" noChangeArrowheads="1" noChangeShapeType="1" noTextEdit="1"/>
+          </p:cNvSpPr>
+          <p:nvPr>
+            <p:extLst>
+              <p:ext uri="{386F3935-93C4-4BCD-93E2-E3B085C9AB24}">
+                <p16:designElem xmlns:p16="http://schemas.microsoft.com/office/powerpoint/2015/main" val="1"/>
+              </p:ext>
+            </p:extLst>
+          </p:nvPr>
+        </p:nvSpPr>
+        <p:spPr>
+          <a:xfrm>
+            <a:off x="3664322" y="321732"/>
+            <a:ext cx="2111317" cy="2721818"/>
+          </a:xfrm>
+          <a:prstGeom prst="rect">
+            <a:avLst/>
+          </a:prstGeom>
+          <a:solidFill>
+            <a:srgbClr val="FFFFFF"/>
+          </a:solidFill>
+          <a:ln>
+            <a:noFill/>
+          </a:ln>
+        </p:spPr>
+        <p:style>
+          <a:lnRef idx="2">
+            <a:schemeClr val="accent1">
+              <a:shade val="50000"/>
+            </a:schemeClr>
+          </a:lnRef>
+          <a:fillRef idx="1">
+            <a:schemeClr val="accent1"/>
+          </a:fillRef>
+          <a:effectRef idx="0">
+            <a:schemeClr val="accent1"/>
+          </a:effectRef>
+          <a:fontRef idx="minor">
+            <a:schemeClr val="lt1"/>
+          </a:fontRef>
+        </p:style>
+        <p:txBody>
+          <a:bodyPr rtlCol="0" anchor="ctr"/>
+          <a:lstStyle/>
+          <a:p>
+            <a:pPr algn="ctr"/>
+            <a:endParaRPr lang="en-US"/>
+          </a:p>
+        </p:txBody>
+      </p:sp>
+      <p:pic>
+        <p:nvPicPr>
+          <p:cNvPr id="7" name="Picture 6">
+            <a:extLst>
+              <a:ext uri="{FF2B5EF4-FFF2-40B4-BE49-F238E27FC236}">
+                <a16:creationId xmlns:a16="http://schemas.microsoft.com/office/drawing/2014/main" id="{C6D8E479-D082-2D44-944D-D110B571D076}"/>
+              </a:ext>
+            </a:extLst>
+          </p:cNvPr>
+          <p:cNvPicPr>
+            <a:picLocks noChangeAspect="1"/>
+          </p:cNvPicPr>
+          <p:nvPr/>
+        </p:nvPicPr>
+        <p:blipFill>
+          <a:blip r:embed="rId4"/>
+          <a:stretch>
+            <a:fillRect/>
+          </a:stretch>
+        </p:blipFill>
+        <p:spPr>
+          <a:xfrm>
+            <a:off x="3828150" y="1027124"/>
+            <a:ext cx="1783661" cy="1319909"/>
+          </a:xfrm>
+          <a:prstGeom prst="rect">
+            <a:avLst/>
+          </a:prstGeom>
+        </p:spPr>
+      </p:pic>
+      <p:sp>
+        <p:nvSpPr>
+          <p:cNvPr id="35" name="Rectangle 34">
+            <a:extLst>
+              <a:ext uri="{FF2B5EF4-FFF2-40B4-BE49-F238E27FC236}">
+                <a16:creationId xmlns:a16="http://schemas.microsoft.com/office/drawing/2014/main" id="{46A326B9-FD78-4195-A659-95DAFC1DDB9F}"/>
+              </a:ext>
+              <a:ext uri="{C183D7F6-B498-43B3-948B-1728B52AA6E4}">
+                <adec:decorative xmlns:adec="http://schemas.microsoft.com/office/drawing/2017/decorative" val="1"/>
+              </a:ext>
+            </a:extLst>
+          </p:cNvPr>
+          <p:cNvSpPr>
+            <a:spLocks noGrp="1" noRot="1" noChangeAspect="1" noMove="1" noResize="1" noEditPoints="1" noAdjustHandles="1" noChangeArrowheads="1" noChangeShapeType="1" noTextEdit="1"/>
+          </p:cNvSpPr>
+          <p:nvPr>
+            <p:extLst>
+              <p:ext uri="{386F3935-93C4-4BCD-93E2-E3B085C9AB24}">
+                <p16:designElem xmlns:p16="http://schemas.microsoft.com/office/powerpoint/2015/main" val="1"/>
+              </p:ext>
+            </p:extLst>
+          </p:nvPr>
+        </p:nvSpPr>
+        <p:spPr>
+          <a:xfrm>
+            <a:off x="303313" y="4157447"/>
+            <a:ext cx="3208079" cy="2378820"/>
+          </a:xfrm>
+          <a:prstGeom prst="rect">
+            <a:avLst/>
+          </a:prstGeom>
+          <a:solidFill>
+            <a:srgbClr val="FFFFFF"/>
+          </a:solidFill>
+          <a:ln>
+            <a:noFill/>
+          </a:ln>
+        </p:spPr>
+        <p:style>
+          <a:lnRef idx="2">
+            <a:schemeClr val="accent1">
+              <a:shade val="50000"/>
+            </a:schemeClr>
+          </a:lnRef>
+          <a:fillRef idx="1">
+            <a:schemeClr val="accent1"/>
+          </a:fillRef>
+          <a:effectRef idx="0">
+            <a:schemeClr val="accent1"/>
+          </a:effectRef>
+          <a:fontRef idx="minor">
+            <a:schemeClr val="lt1"/>
+          </a:fontRef>
+        </p:style>
+        <p:txBody>
+          <a:bodyPr rtlCol="0" anchor="ctr"/>
+          <a:lstStyle/>
+          <a:p>
+            <a:pPr algn="ctr"/>
+            <a:endParaRPr lang="en-US"/>
+          </a:p>
+        </p:txBody>
+      </p:sp>
+      <p:pic>
+        <p:nvPicPr>
+          <p:cNvPr id="4" name="Picture 3">
+            <a:extLst>
+              <a:ext uri="{FF2B5EF4-FFF2-40B4-BE49-F238E27FC236}">
+                <a16:creationId xmlns:a16="http://schemas.microsoft.com/office/drawing/2014/main" id="{76A81596-DA0E-E147-BEBC-B985D6D8B89A}"/>
+              </a:ext>
+            </a:extLst>
+          </p:cNvPr>
+          <p:cNvPicPr>
+            <a:picLocks noChangeAspect="1"/>
+          </p:cNvPicPr>
+          <p:nvPr/>
+        </p:nvPicPr>
+        <p:blipFill>
+          <a:blip r:embed="rId5"/>
+          <a:stretch>
+            <a:fillRect/>
+          </a:stretch>
+        </p:blipFill>
+        <p:spPr>
+          <a:xfrm>
+            <a:off x="370582" y="4248067"/>
+            <a:ext cx="3073539" cy="2197580"/>
+          </a:xfrm>
+          <a:prstGeom prst="rect">
+            <a:avLst/>
+          </a:prstGeom>
+        </p:spPr>
+      </p:pic>
+      <p:sp>
+        <p:nvSpPr>
+          <p:cNvPr id="37" name="Rectangle 36">
+            <a:extLst>
+              <a:ext uri="{FF2B5EF4-FFF2-40B4-BE49-F238E27FC236}">
+                <a16:creationId xmlns:a16="http://schemas.microsoft.com/office/drawing/2014/main" id="{13DAFF6B-5BEC-4153-93E9-6B735BC19C2F}"/>
+              </a:ext>
+              <a:ext uri="{C183D7F6-B498-43B3-948B-1728B52AA6E4}">
+                <adec:decorative xmlns:adec="http://schemas.microsoft.com/office/drawing/2017/decorative" val="1"/>
+              </a:ext>
+            </a:extLst>
+          </p:cNvPr>
+          <p:cNvSpPr>
+            <a:spLocks noGrp="1" noRot="1" noChangeAspect="1" noMove="1" noResize="1" noEditPoints="1" noAdjustHandles="1" noChangeArrowheads="1" noChangeShapeType="1" noTextEdit="1"/>
+          </p:cNvSpPr>
+          <p:nvPr>
+            <p:extLst>
+              <p:ext uri="{386F3935-93C4-4BCD-93E2-E3B085C9AB24}">
+                <p16:designElem xmlns:p16="http://schemas.microsoft.com/office/powerpoint/2015/main" val="1"/>
+              </p:ext>
+            </p:extLst>
+          </p:nvPr>
+        </p:nvSpPr>
+        <p:spPr>
+          <a:xfrm>
+            <a:off x="3664322" y="3227130"/>
+            <a:ext cx="2111317" cy="2872619"/>
+          </a:xfrm>
+          <a:prstGeom prst="rect">
+            <a:avLst/>
+          </a:prstGeom>
+          <a:solidFill>
+            <a:srgbClr val="FFFFFF"/>
+          </a:solidFill>
+          <a:ln>
+            <a:noFill/>
+          </a:ln>
+        </p:spPr>
+        <p:style>
+          <a:lnRef idx="2">
+            <a:schemeClr val="accent1">
+              <a:shade val="50000"/>
+            </a:schemeClr>
+          </a:lnRef>
+          <a:fillRef idx="1">
+            <a:schemeClr val="accent1"/>
+          </a:fillRef>
+          <a:effectRef idx="0">
+            <a:schemeClr val="accent1"/>
+          </a:effectRef>
+          <a:fontRef idx="minor">
+            <a:schemeClr val="lt1"/>
+          </a:fontRef>
+        </p:style>
+        <p:txBody>
+          <a:bodyPr rtlCol="0" anchor="ctr"/>
+          <a:lstStyle/>
+          <a:p>
+            <a:pPr algn="ctr"/>
+            <a:endParaRPr lang="en-US"/>
+          </a:p>
+        </p:txBody>
+      </p:sp>
+      <p:pic>
+        <p:nvPicPr>
+          <p:cNvPr id="8" name="Picture 7">
+            <a:extLst>
+              <a:ext uri="{FF2B5EF4-FFF2-40B4-BE49-F238E27FC236}">
+                <a16:creationId xmlns:a16="http://schemas.microsoft.com/office/drawing/2014/main" id="{1C0B9068-C76C-FD42-953C-E34CBDAD2B1A}"/>
+              </a:ext>
+            </a:extLst>
+          </p:cNvPr>
+          <p:cNvPicPr>
+            <a:picLocks noChangeAspect="1"/>
+          </p:cNvPicPr>
+          <p:nvPr/>
+        </p:nvPicPr>
+        <p:blipFill>
+          <a:blip r:embed="rId6"/>
+          <a:stretch>
+            <a:fillRect/>
+          </a:stretch>
+        </p:blipFill>
+        <p:spPr>
+          <a:xfrm>
+            <a:off x="3828150" y="4001256"/>
+            <a:ext cx="1783661" cy="1324368"/>
+          </a:xfrm>
+          <a:prstGeom prst="rect">
+            <a:avLst/>
+          </a:prstGeom>
+        </p:spPr>
+      </p:pic>
       <p:sp>
         <p:nvSpPr>
           <p:cNvPr id="3" name="Content Placeholder 2">
             <a:extLst>
               <a:ext uri="{FF2B5EF4-FFF2-40B4-BE49-F238E27FC236}">
-                <a16:creationId xmlns:a16="http://schemas.microsoft.com/office/drawing/2014/main" id="{901C54CC-68DF-AB4F-818F-D1155478DC8D}"/>
+                <a16:creationId xmlns:a16="http://schemas.microsoft.com/office/drawing/2014/main" id="{52687925-B468-7349-A1F1-D957946A3E91}"/>
               </a:ext>
             </a:extLst>
           </p:cNvPr>
@@ -9742,73 +11489,68 @@
             <p:ph idx="1"/>
           </p:nvPr>
         </p:nvSpPr>
-        <p:spPr/>
+        <p:spPr>
+          <a:xfrm>
+            <a:off x="6438122" y="3043550"/>
+            <a:ext cx="4793757" cy="2840854"/>
+          </a:xfrm>
+        </p:spPr>
         <p:txBody>
           <a:bodyPr>
-            <a:normAutofit fontScale="92500" lnSpcReduction="10000"/>
+            <a:normAutofit/>
           </a:bodyPr>
           <a:lstStyle/>
           <a:p>
             <a:r>
               <a:rPr lang="en-US" dirty="0"/>
-              <a:t>Random Forest</a:t>
+              <a:t>Top 3 Features affecting cancellation (1):</a:t>
             </a:r>
           </a:p>
           <a:p>
             <a:pPr lvl="1"/>
             <a:r>
               <a:rPr lang="en-US" dirty="0" err="1"/>
-              <a:t>Max_depth</a:t>
+              <a:t>Country_PRT</a:t>
+            </a:r>
+            <a:r>
+              <a:rPr lang="en-US" dirty="0"/>
+              <a:t> (Portugal) </a:t>
+            </a:r>
+          </a:p>
+          <a:p>
+            <a:pPr lvl="1"/>
+            <a:r>
+              <a:rPr lang="en-US" dirty="0" err="1"/>
+              <a:t>Deposit_type_Non</a:t>
+            </a:r>
+            <a:r>
+              <a:rPr lang="en-US" dirty="0"/>
+              <a:t> Refund</a:t>
+            </a:r>
+          </a:p>
+          <a:p>
+            <a:pPr lvl="1"/>
+            <a:r>
+              <a:rPr lang="en-US" dirty="0" err="1"/>
+              <a:t>Reservation_status_date_month</a:t>
             </a:r>
             <a:endParaRPr lang="en-US" dirty="0"/>
           </a:p>
           <a:p>
+            <a:endParaRPr lang="en-US" dirty="0"/>
+          </a:p>
+          <a:p>
+            <a:r>
+              <a:rPr lang="en-US" dirty="0"/>
+              <a:t>Meaningful features</a:t>
+            </a:r>
+          </a:p>
+          <a:p>
             <a:pPr lvl="1"/>
-            <a:endParaRPr lang="en-US" dirty="0"/>
-          </a:p>
-          <a:p>
-            <a:r>
-              <a:rPr lang="en-US" dirty="0"/>
-              <a:t>Errors</a:t>
-            </a:r>
-          </a:p>
-          <a:p>
-            <a:pPr lvl="1"/>
-            <a:r>
-              <a:rPr lang="en-US" dirty="0"/>
-              <a:t>R squared: 0.925</a:t>
-            </a:r>
-          </a:p>
-          <a:p>
-            <a:pPr lvl="1"/>
-            <a:r>
-              <a:rPr lang="en-US" dirty="0"/>
-              <a:t>Mean Squared Error: 12.739</a:t>
-            </a:r>
-          </a:p>
-          <a:p>
-            <a:pPr lvl="1"/>
-            <a:r>
-              <a:rPr lang="en-US" dirty="0"/>
-              <a:t>Mean Absolute Error: 6.534</a:t>
-            </a:r>
-          </a:p>
-          <a:p>
-            <a:r>
-              <a:rPr lang="en-US" dirty="0"/>
-              <a:t>Top 3 Important features</a:t>
-            </a:r>
-          </a:p>
-          <a:p>
-            <a:pPr lvl="1"/>
             <a:r>
               <a:rPr lang="en-US" dirty="0" err="1"/>
-              <a:t>Arrival_date_month</a:t>
-            </a:r>
-            <a:endParaRPr lang="en-US" dirty="0"/>
-          </a:p>
-          <a:p>
-            <a:pPr lvl="1"/>
+              <a:t>Lead_time</a:t>
+            </a:r>
             <a:endParaRPr lang="en-US" dirty="0"/>
           </a:p>
         </p:txBody>
@@ -9816,104 +11558,7 @@
     </p:spTree>
     <p:extLst>
       <p:ext uri="{BB962C8B-B14F-4D97-AF65-F5344CB8AC3E}">
-        <p14:creationId xmlns:p14="http://schemas.microsoft.com/office/powerpoint/2010/main" val="1267955503"/>
-      </p:ext>
-    </p:extLst>
-  </p:cSld>
-  <p:clrMapOvr>
-    <a:masterClrMapping/>
-  </p:clrMapOvr>
-</p:sld>
-</file>
-
-<file path=ppt/slides/slide9.xml><?xml version="1.0" encoding="utf-8"?>
-<p:sld xmlns:a="http://schemas.openxmlformats.org/drawingml/2006/main" xmlns:r="http://schemas.openxmlformats.org/officeDocument/2006/relationships" xmlns:p="http://schemas.openxmlformats.org/presentationml/2006/main">
-  <p:cSld>
-    <p:spTree>
-      <p:nvGrpSpPr>
-        <p:cNvPr id="1" name=""/>
-        <p:cNvGrpSpPr/>
-        <p:nvPr/>
-      </p:nvGrpSpPr>
-      <p:grpSpPr>
-        <a:xfrm>
-          <a:off x="0" y="0"/>
-          <a:ext cx="0" cy="0"/>
-          <a:chOff x="0" y="0"/>
-          <a:chExt cx="0" cy="0"/>
-        </a:xfrm>
-      </p:grpSpPr>
-      <p:sp>
-        <p:nvSpPr>
-          <p:cNvPr id="2" name="Title 1">
-            <a:extLst>
-              <a:ext uri="{FF2B5EF4-FFF2-40B4-BE49-F238E27FC236}">
-                <a16:creationId xmlns:a16="http://schemas.microsoft.com/office/drawing/2014/main" id="{8F268B1C-785D-594A-A171-905C24D1ED39}"/>
-              </a:ext>
-            </a:extLst>
-          </p:cNvPr>
-          <p:cNvSpPr>
-            <a:spLocks noGrp="1"/>
-          </p:cNvSpPr>
-          <p:nvPr>
-            <p:ph type="title"/>
-          </p:nvPr>
-        </p:nvSpPr>
-        <p:spPr/>
-        <p:txBody>
-          <a:bodyPr/>
-          <a:lstStyle/>
-          <a:p>
-            <a:r>
-              <a:rPr lang="en-US" dirty="0"/>
-              <a:t>Conclusions</a:t>
-            </a:r>
-          </a:p>
-        </p:txBody>
-      </p:sp>
-      <p:sp>
-        <p:nvSpPr>
-          <p:cNvPr id="3" name="Content Placeholder 2">
-            <a:extLst>
-              <a:ext uri="{FF2B5EF4-FFF2-40B4-BE49-F238E27FC236}">
-                <a16:creationId xmlns:a16="http://schemas.microsoft.com/office/drawing/2014/main" id="{D13A52A1-16B0-5744-AF5A-EE7DFFC8F6B9}"/>
-              </a:ext>
-            </a:extLst>
-          </p:cNvPr>
-          <p:cNvSpPr>
-            <a:spLocks noGrp="1"/>
-          </p:cNvSpPr>
-          <p:nvPr>
-            <p:ph idx="1"/>
-          </p:nvPr>
-        </p:nvSpPr>
-        <p:spPr/>
-        <p:txBody>
-          <a:bodyPr/>
-          <a:lstStyle/>
-          <a:p>
-            <a:pPr marL="0" indent="0">
-              <a:buNone/>
-            </a:pPr>
-            <a:r>
-              <a:rPr lang="en-US" dirty="0"/>
-              <a:t>Big Mountain resort can improve in the coming year, particularly with an extra lift chair.  The business can raise the ticket price to a competitive </a:t>
-            </a:r>
-            <a:r>
-              <a:rPr lang="en-US"/>
-              <a:t>value compared </a:t>
-            </a:r>
-            <a:r>
-              <a:rPr lang="en-US" dirty="0"/>
-              <a:t>to the market rate and still generate large increase in revenue. </a:t>
-            </a:r>
-          </a:p>
-        </p:txBody>
-      </p:sp>
-    </p:spTree>
-    <p:extLst>
-      <p:ext uri="{BB962C8B-B14F-4D97-AF65-F5344CB8AC3E}">
-        <p14:creationId xmlns:p14="http://schemas.microsoft.com/office/powerpoint/2010/main" val="2969408747"/>
+        <p14:creationId xmlns:p14="http://schemas.microsoft.com/office/powerpoint/2010/main" val="4259991171"/>
       </p:ext>
     </p:extLst>
   </p:cSld>
